--- a/CLR_via_CSharp/Chapter 9 - Paramters/Parameters.pptx
+++ b/CLR_via_CSharp/Chapter 9 - Paramters/Parameters.pptx
@@ -9,6 +9,9 @@
     <p:sldId id="257" r:id="rId3"/>
     <p:sldId id="259" r:id="rId4"/>
     <p:sldId id="258" r:id="rId5"/>
+    <p:sldId id="260" r:id="rId6"/>
+    <p:sldId id="261" r:id="rId7"/>
+    <p:sldId id="262" r:id="rId8"/>
   </p:sldIdLst>
   <p:sldSz cx="12192000" cy="6858000"/>
   <p:notesSz cx="6858000" cy="9144000"/>
@@ -107,6 +110,11 @@
       </a:defRPr>
     </a:lvl9pPr>
   </p:defaultTextStyle>
+  <p:extLst>
+    <p:ext uri="{EFAFB233-063F-42B5-8137-9DF3F51BA10A}">
+      <p15:sldGuideLst xmlns:p15="http://schemas.microsoft.com/office/powerpoint/2012/main"/>
+    </p:ext>
+  </p:extLst>
 </p:presentation>
 </file>
 
@@ -241,7 +249,7 @@
           <a:p>
             <a:fld id="{046A06F9-0E86-534D-ABE4-8616D1E278C4}" type="datetimeFigureOut">
               <a:rPr lang="en-US" smtClean="0"/>
-              <a:t>9/7/22</a:t>
+              <a:t>9/8/2022</a:t>
             </a:fld>
             <a:endParaRPr lang="en-US"/>
           </a:p>
@@ -411,7 +419,7 @@
           <a:p>
             <a:fld id="{046A06F9-0E86-534D-ABE4-8616D1E278C4}" type="datetimeFigureOut">
               <a:rPr lang="en-US" smtClean="0"/>
-              <a:t>9/7/22</a:t>
+              <a:t>9/8/2022</a:t>
             </a:fld>
             <a:endParaRPr lang="en-US"/>
           </a:p>
@@ -591,7 +599,7 @@
           <a:p>
             <a:fld id="{046A06F9-0E86-534D-ABE4-8616D1E278C4}" type="datetimeFigureOut">
               <a:rPr lang="en-US" smtClean="0"/>
-              <a:t>9/7/22</a:t>
+              <a:t>9/8/2022</a:t>
             </a:fld>
             <a:endParaRPr lang="en-US"/>
           </a:p>
@@ -761,7 +769,7 @@
           <a:p>
             <a:fld id="{046A06F9-0E86-534D-ABE4-8616D1E278C4}" type="datetimeFigureOut">
               <a:rPr lang="en-US" smtClean="0"/>
-              <a:t>9/7/22</a:t>
+              <a:t>9/8/2022</a:t>
             </a:fld>
             <a:endParaRPr lang="en-US"/>
           </a:p>
@@ -1007,7 +1015,7 @@
           <a:p>
             <a:fld id="{046A06F9-0E86-534D-ABE4-8616D1E278C4}" type="datetimeFigureOut">
               <a:rPr lang="en-US" smtClean="0"/>
-              <a:t>9/7/22</a:t>
+              <a:t>9/8/2022</a:t>
             </a:fld>
             <a:endParaRPr lang="en-US"/>
           </a:p>
@@ -1239,7 +1247,7 @@
           <a:p>
             <a:fld id="{046A06F9-0E86-534D-ABE4-8616D1E278C4}" type="datetimeFigureOut">
               <a:rPr lang="en-US" smtClean="0"/>
-              <a:t>9/7/22</a:t>
+              <a:t>9/8/2022</a:t>
             </a:fld>
             <a:endParaRPr lang="en-US"/>
           </a:p>
@@ -1606,7 +1614,7 @@
           <a:p>
             <a:fld id="{046A06F9-0E86-534D-ABE4-8616D1E278C4}" type="datetimeFigureOut">
               <a:rPr lang="en-US" smtClean="0"/>
-              <a:t>9/7/22</a:t>
+              <a:t>9/8/2022</a:t>
             </a:fld>
             <a:endParaRPr lang="en-US"/>
           </a:p>
@@ -1724,7 +1732,7 @@
           <a:p>
             <a:fld id="{046A06F9-0E86-534D-ABE4-8616D1E278C4}" type="datetimeFigureOut">
               <a:rPr lang="en-US" smtClean="0"/>
-              <a:t>9/7/22</a:t>
+              <a:t>9/8/2022</a:t>
             </a:fld>
             <a:endParaRPr lang="en-US"/>
           </a:p>
@@ -1819,7 +1827,7 @@
           <a:p>
             <a:fld id="{046A06F9-0E86-534D-ABE4-8616D1E278C4}" type="datetimeFigureOut">
               <a:rPr lang="en-US" smtClean="0"/>
-              <a:t>9/7/22</a:t>
+              <a:t>9/8/2022</a:t>
             </a:fld>
             <a:endParaRPr lang="en-US"/>
           </a:p>
@@ -2096,7 +2104,7 @@
           <a:p>
             <a:fld id="{046A06F9-0E86-534D-ABE4-8616D1E278C4}" type="datetimeFigureOut">
               <a:rPr lang="en-US" smtClean="0"/>
-              <a:t>9/7/22</a:t>
+              <a:t>9/8/2022</a:t>
             </a:fld>
             <a:endParaRPr lang="en-US"/>
           </a:p>
@@ -2353,7 +2361,7 @@
           <a:p>
             <a:fld id="{046A06F9-0E86-534D-ABE4-8616D1E278C4}" type="datetimeFigureOut">
               <a:rPr lang="en-US" smtClean="0"/>
-              <a:t>9/7/22</a:t>
+              <a:t>9/8/2022</a:t>
             </a:fld>
             <a:endParaRPr lang="en-US"/>
           </a:p>
@@ -2566,7 +2574,7 @@
           <a:p>
             <a:fld id="{046A06F9-0E86-534D-ABE4-8616D1E278C4}" type="datetimeFigureOut">
               <a:rPr lang="en-US" smtClean="0"/>
-              <a:t>9/7/22</a:t>
+              <a:t>9/8/2022</a:t>
             </a:fld>
             <a:endParaRPr lang="en-US"/>
           </a:p>
@@ -3219,8 +3227,26 @@
               <a:t>Args</a:t>
             </a:r>
             <a:r>
-              <a:rPr lang="en-US"/>
+              <a:rPr lang="en-US" dirty="0"/>
               <a:t> are actual’</a:t>
+            </a:r>
+          </a:p>
+          <a:p>
+            <a:r>
+              <a:rPr lang="en-US" dirty="0"/>
+              <a:t>Order matters</a:t>
+            </a:r>
+          </a:p>
+          <a:p>
+            <a:r>
+              <a:rPr lang="en-US" dirty="0"/>
+              <a:t>In general it goes arguments; named; </a:t>
+            </a:r>
+            <a:r>
+              <a:rPr lang="en-US" dirty="0">
+                <a:sym typeface="Wingdings" panose="05000000000000000000" pitchFamily="2" charset="2"/>
+              </a:rPr>
+              <a:t> rest</a:t>
             </a:r>
             <a:endParaRPr lang="en-US" dirty="0"/>
           </a:p>
@@ -3308,7 +3334,37 @@
             <a:pPr marL="457200" lvl="1" indent="0">
               <a:buNone/>
             </a:pPr>
-            <a:endParaRPr lang="en-US" dirty="0"/>
+            <a:r>
+              <a:rPr lang="en-US" dirty="0"/>
+              <a:t>Guidelines:</a:t>
+            </a:r>
+          </a:p>
+          <a:p>
+            <a:pPr marL="457200" lvl="1" indent="0">
+              <a:buNone/>
+            </a:pPr>
+            <a:r>
+              <a:rPr lang="en-US" dirty="0"/>
+              <a:t>	* This can be dangerous</a:t>
+            </a:r>
+          </a:p>
+          <a:p>
+            <a:pPr marL="457200" lvl="1" indent="0">
+              <a:buNone/>
+            </a:pPr>
+            <a:r>
+              <a:rPr lang="en-US" dirty="0"/>
+              <a:t>	*honestly, be as explicit as you can</a:t>
+            </a:r>
+          </a:p>
+          <a:p>
+            <a:pPr marL="457200" lvl="1" indent="0">
+              <a:buNone/>
+            </a:pPr>
+            <a:r>
+              <a:rPr lang="en-US" dirty="0"/>
+              <a:t>	</a:t>
+            </a:r>
           </a:p>
         </p:txBody>
       </p:sp>
@@ -3316,6 +3372,1043 @@
     <p:extLst>
       <p:ext uri="{BB962C8B-B14F-4D97-AF65-F5344CB8AC3E}">
         <p14:creationId xmlns:p14="http://schemas.microsoft.com/office/powerpoint/2010/main" val="668277912"/>
+      </p:ext>
+    </p:extLst>
+  </p:cSld>
+  <p:clrMapOvr>
+    <a:masterClrMapping/>
+  </p:clrMapOvr>
+</p:sld>
+</file>
+
+<file path=ppt/slides/slide5.xml><?xml version="1.0" encoding="utf-8"?>
+<p:sld xmlns:a="http://schemas.openxmlformats.org/drawingml/2006/main" xmlns:r="http://schemas.openxmlformats.org/officeDocument/2006/relationships" xmlns:p="http://schemas.openxmlformats.org/presentationml/2006/main">
+  <p:cSld>
+    <p:spTree>
+      <p:nvGrpSpPr>
+        <p:cNvPr id="1" name=""/>
+        <p:cNvGrpSpPr/>
+        <p:nvPr/>
+      </p:nvGrpSpPr>
+      <p:grpSpPr>
+        <a:xfrm>
+          <a:off x="0" y="0"/>
+          <a:ext cx="0" cy="0"/>
+          <a:chOff x="0" y="0"/>
+          <a:chExt cx="0" cy="0"/>
+        </a:xfrm>
+      </p:grpSpPr>
+      <p:sp>
+        <p:nvSpPr>
+          <p:cNvPr id="2" name="Title 1">
+            <a:extLst>
+              <a:ext uri="{FF2B5EF4-FFF2-40B4-BE49-F238E27FC236}">
+                <a16:creationId xmlns:a16="http://schemas.microsoft.com/office/drawing/2014/main" id="{C2D47C00-DB0C-8E28-6EBF-583D9E9B627C}"/>
+              </a:ext>
+            </a:extLst>
+          </p:cNvPr>
+          <p:cNvSpPr>
+            <a:spLocks noGrp="1"/>
+          </p:cNvSpPr>
+          <p:nvPr>
+            <p:ph type="title"/>
+          </p:nvPr>
+        </p:nvSpPr>
+        <p:spPr/>
+        <p:txBody>
+          <a:bodyPr/>
+          <a:lstStyle/>
+          <a:p>
+            <a:r>
+              <a:rPr lang="en-US" dirty="0"/>
+              <a:t>Optional and Default </a:t>
+            </a:r>
+            <a:r>
+              <a:rPr lang="en-US" dirty="0" err="1"/>
+              <a:t>ParamValue</a:t>
+            </a:r>
+            <a:r>
+              <a:rPr lang="en-US" dirty="0"/>
+              <a:t> Attributes</a:t>
+            </a:r>
+          </a:p>
+        </p:txBody>
+      </p:sp>
+      <p:sp>
+        <p:nvSpPr>
+          <p:cNvPr id="3" name="Content Placeholder 2">
+            <a:extLst>
+              <a:ext uri="{FF2B5EF4-FFF2-40B4-BE49-F238E27FC236}">
+                <a16:creationId xmlns:a16="http://schemas.microsoft.com/office/drawing/2014/main" id="{3D8333A0-BE24-7049-5380-77B15C1D6D4E}"/>
+              </a:ext>
+            </a:extLst>
+          </p:cNvPr>
+          <p:cNvSpPr>
+            <a:spLocks noGrp="1"/>
+          </p:cNvSpPr>
+          <p:nvPr>
+            <p:ph idx="1"/>
+          </p:nvPr>
+        </p:nvSpPr>
+        <p:spPr/>
+        <p:txBody>
+          <a:bodyPr/>
+          <a:lstStyle/>
+          <a:p>
+            <a:r>
+              <a:rPr lang="en-US" dirty="0"/>
+              <a:t>[</a:t>
+            </a:r>
+            <a:r>
+              <a:rPr lang="en-US" dirty="0" err="1"/>
+              <a:t>DefaultParameterValue,Optional</a:t>
+            </a:r>
+            <a:r>
+              <a:rPr lang="en-US" dirty="0"/>
+              <a:t>]</a:t>
+            </a:r>
+          </a:p>
+          <a:p>
+            <a:endParaRPr lang="en-US" dirty="0"/>
+          </a:p>
+          <a:p>
+            <a:pPr marL="0" indent="0">
+              <a:buNone/>
+            </a:pPr>
+            <a:r>
+              <a:rPr lang="en-US" dirty="0"/>
+              <a:t>-- Basically this uses a compiler/IL trick to ‘capture this value’ at compilation and retrieve it at run time</a:t>
+            </a:r>
+          </a:p>
+          <a:p>
+            <a:pPr marL="0" indent="0">
+              <a:buNone/>
+            </a:pPr>
+            <a:endParaRPr lang="en-US" dirty="0"/>
+          </a:p>
+          <a:p>
+            <a:pPr marL="0" indent="0">
+              <a:buNone/>
+            </a:pPr>
+            <a:r>
+              <a:rPr lang="en-US" dirty="0"/>
+              <a:t>--the two implementations are basically identical expect for the </a:t>
+            </a:r>
+            <a:r>
+              <a:rPr lang="en-US" dirty="0" err="1"/>
+              <a:t>Interopservices</a:t>
+            </a:r>
+            <a:endParaRPr lang="en-US" dirty="0"/>
+          </a:p>
+        </p:txBody>
+      </p:sp>
+    </p:spTree>
+    <p:extLst>
+      <p:ext uri="{BB962C8B-B14F-4D97-AF65-F5344CB8AC3E}">
+        <p14:creationId xmlns:p14="http://schemas.microsoft.com/office/powerpoint/2010/main" val="729870468"/>
+      </p:ext>
+    </p:extLst>
+  </p:cSld>
+  <p:clrMapOvr>
+    <a:masterClrMapping/>
+  </p:clrMapOvr>
+</p:sld>
+</file>
+
+<file path=ppt/slides/slide6.xml><?xml version="1.0" encoding="utf-8"?>
+<p:sld xmlns:a="http://schemas.openxmlformats.org/drawingml/2006/main" xmlns:r="http://schemas.openxmlformats.org/officeDocument/2006/relationships" xmlns:p="http://schemas.openxmlformats.org/presentationml/2006/main">
+  <p:cSld>
+    <p:spTree>
+      <p:nvGrpSpPr>
+        <p:cNvPr id="1" name=""/>
+        <p:cNvGrpSpPr/>
+        <p:nvPr/>
+      </p:nvGrpSpPr>
+      <p:grpSpPr>
+        <a:xfrm>
+          <a:off x="0" y="0"/>
+          <a:ext cx="0" cy="0"/>
+          <a:chOff x="0" y="0"/>
+          <a:chExt cx="0" cy="0"/>
+        </a:xfrm>
+      </p:grpSpPr>
+      <p:sp>
+        <p:nvSpPr>
+          <p:cNvPr id="4" name="Title 3">
+            <a:extLst>
+              <a:ext uri="{FF2B5EF4-FFF2-40B4-BE49-F238E27FC236}">
+                <a16:creationId xmlns:a16="http://schemas.microsoft.com/office/drawing/2014/main" id="{6E8EC81D-843E-D66A-15F2-9F3177C3BC73}"/>
+              </a:ext>
+            </a:extLst>
+          </p:cNvPr>
+          <p:cNvSpPr>
+            <a:spLocks noGrp="1"/>
+          </p:cNvSpPr>
+          <p:nvPr>
+            <p:ph type="title"/>
+          </p:nvPr>
+        </p:nvSpPr>
+        <p:spPr/>
+        <p:txBody>
+          <a:bodyPr/>
+          <a:lstStyle/>
+          <a:p>
+            <a:r>
+              <a:rPr lang="en-US" dirty="0"/>
+              <a:t>They’re essentially the same</a:t>
+            </a:r>
+          </a:p>
+        </p:txBody>
+      </p:sp>
+      <p:sp>
+        <p:nvSpPr>
+          <p:cNvPr id="5" name="Content Placeholder 4">
+            <a:extLst>
+              <a:ext uri="{FF2B5EF4-FFF2-40B4-BE49-F238E27FC236}">
+                <a16:creationId xmlns:a16="http://schemas.microsoft.com/office/drawing/2014/main" id="{0F699E08-5BB5-DB2A-FDFD-ECBEB7ADD64A}"/>
+              </a:ext>
+            </a:extLst>
+          </p:cNvPr>
+          <p:cNvSpPr>
+            <a:spLocks noGrp="1"/>
+          </p:cNvSpPr>
+          <p:nvPr>
+            <p:ph sz="half" idx="1"/>
+          </p:nvPr>
+        </p:nvSpPr>
+        <p:spPr/>
+        <p:txBody>
+          <a:bodyPr>
+            <a:normAutofit fontScale="40000" lnSpcReduction="20000"/>
+          </a:bodyPr>
+          <a:lstStyle/>
+          <a:p>
+            <a:r>
+              <a:rPr lang="en-US" sz="1800" dirty="0">
+                <a:latin typeface="Fixedsys"/>
+              </a:rPr>
+              <a:t>.method assembly </a:t>
+            </a:r>
+            <a:r>
+              <a:rPr lang="en-US" sz="1800" dirty="0" err="1">
+                <a:latin typeface="Fixedsys"/>
+              </a:rPr>
+              <a:t>hidebysig</a:t>
+            </a:r>
+            <a:r>
+              <a:rPr lang="en-US" sz="1800" dirty="0">
+                <a:latin typeface="Fixedsys"/>
+              </a:rPr>
+              <a:t> static void  '&lt;&lt;Main&gt;$&gt;g__Test1|0_0'([opt] string p1,</a:t>
+            </a:r>
+          </a:p>
+          <a:p>
+            <a:r>
+              <a:rPr lang="en-US" sz="1800" dirty="0">
+                <a:latin typeface="Fixedsys"/>
+              </a:rPr>
+              <a:t>                                                                [opt] string p2) </a:t>
+            </a:r>
+            <a:r>
+              <a:rPr lang="en-US" sz="1800" dirty="0" err="1">
+                <a:latin typeface="Fixedsys"/>
+              </a:rPr>
+              <a:t>cil</a:t>
+            </a:r>
+            <a:r>
+              <a:rPr lang="en-US" sz="1800" dirty="0">
+                <a:latin typeface="Fixedsys"/>
+              </a:rPr>
+              <a:t> managed</a:t>
+            </a:r>
+          </a:p>
+          <a:p>
+            <a:r>
+              <a:rPr lang="en-US" sz="1800" dirty="0">
+                <a:latin typeface="Fixedsys"/>
+              </a:rPr>
+              <a:t>{</a:t>
+            </a:r>
+          </a:p>
+          <a:p>
+            <a:r>
+              <a:rPr lang="en-US" sz="1800" dirty="0">
+                <a:latin typeface="Fixedsys"/>
+              </a:rPr>
+              <a:t>  .custom instance void </a:t>
+            </a:r>
+            <a:r>
+              <a:rPr lang="en-US" sz="1800" dirty="0" err="1">
+                <a:latin typeface="Fixedsys"/>
+              </a:rPr>
+              <a:t>System.Runtime.CompilerServices.NullableContextAttribute</a:t>
+            </a:r>
+            <a:r>
+              <a:rPr lang="en-US" sz="1800" dirty="0">
+                <a:latin typeface="Fixedsys"/>
+              </a:rPr>
+              <a:t>::.</a:t>
+            </a:r>
+            <a:r>
+              <a:rPr lang="en-US" sz="1800" dirty="0" err="1">
+                <a:latin typeface="Fixedsys"/>
+              </a:rPr>
+              <a:t>ctor</a:t>
+            </a:r>
+            <a:r>
+              <a:rPr lang="en-US" sz="1800" dirty="0">
+                <a:latin typeface="Fixedsys"/>
+              </a:rPr>
+              <a:t>(uint8) = ( 01 00 01 00 00 ) </a:t>
+            </a:r>
+          </a:p>
+          <a:p>
+            <a:r>
+              <a:rPr lang="en-US" sz="1800" dirty="0">
+                <a:latin typeface="Fixedsys"/>
+              </a:rPr>
+              <a:t>  .custom instance void [</a:t>
+            </a:r>
+            <a:r>
+              <a:rPr lang="en-US" sz="1800" dirty="0" err="1">
+                <a:latin typeface="Fixedsys"/>
+              </a:rPr>
+              <a:t>System.Runtime</a:t>
+            </a:r>
+            <a:r>
+              <a:rPr lang="en-US" sz="1800" dirty="0">
+                <a:latin typeface="Fixedsys"/>
+              </a:rPr>
+              <a:t>]</a:t>
+            </a:r>
+            <a:r>
+              <a:rPr lang="en-US" sz="1800" dirty="0" err="1">
+                <a:latin typeface="Fixedsys"/>
+              </a:rPr>
+              <a:t>System.Runtime.CompilerServices.CompilerGeneratedAttribute</a:t>
+            </a:r>
+            <a:r>
+              <a:rPr lang="en-US" sz="1800" dirty="0">
+                <a:latin typeface="Fixedsys"/>
+              </a:rPr>
+              <a:t>::.</a:t>
+            </a:r>
+            <a:r>
+              <a:rPr lang="en-US" sz="1800" dirty="0" err="1">
+                <a:latin typeface="Fixedsys"/>
+              </a:rPr>
+              <a:t>ctor</a:t>
+            </a:r>
+            <a:r>
+              <a:rPr lang="en-US" sz="1800" dirty="0">
+                <a:latin typeface="Fixedsys"/>
+              </a:rPr>
+              <a:t>() = ( 01 00 00 00 ) </a:t>
+            </a:r>
+          </a:p>
+          <a:p>
+            <a:r>
+              <a:rPr lang="en-US" sz="1800" dirty="0">
+                <a:latin typeface="Fixedsys"/>
+              </a:rPr>
+              <a:t>  .param [1] = "param1"</a:t>
+            </a:r>
+          </a:p>
+          <a:p>
+            <a:r>
+              <a:rPr lang="en-US" sz="1800" dirty="0">
+                <a:latin typeface="Fixedsys"/>
+              </a:rPr>
+              <a:t>  .param [2] = "param2"</a:t>
+            </a:r>
+          </a:p>
+          <a:p>
+            <a:r>
+              <a:rPr lang="en-US" sz="1800" dirty="0">
+                <a:latin typeface="Fixedsys"/>
+              </a:rPr>
+              <a:t>  // Code size       20 (0x14)</a:t>
+            </a:r>
+          </a:p>
+          <a:p>
+            <a:r>
+              <a:rPr lang="en-US" sz="1800" dirty="0">
+                <a:latin typeface="Fixedsys"/>
+              </a:rPr>
+              <a:t>  .</a:t>
+            </a:r>
+            <a:r>
+              <a:rPr lang="en-US" sz="1800" dirty="0" err="1">
+                <a:latin typeface="Fixedsys"/>
+              </a:rPr>
+              <a:t>maxstack</a:t>
+            </a:r>
+            <a:r>
+              <a:rPr lang="en-US" sz="1800" dirty="0">
+                <a:latin typeface="Fixedsys"/>
+              </a:rPr>
+              <a:t>  8</a:t>
+            </a:r>
+          </a:p>
+          <a:p>
+            <a:r>
+              <a:rPr lang="en-US" sz="1800" dirty="0">
+                <a:latin typeface="Fixedsys"/>
+              </a:rPr>
+              <a:t>  IL_0000:  </a:t>
+            </a:r>
+            <a:r>
+              <a:rPr lang="en-US" sz="1800" dirty="0" err="1">
+                <a:latin typeface="Fixedsys"/>
+              </a:rPr>
+              <a:t>nop</a:t>
+            </a:r>
+            <a:endParaRPr lang="en-US" sz="1800" dirty="0">
+              <a:latin typeface="Fixedsys"/>
+            </a:endParaRPr>
+          </a:p>
+          <a:p>
+            <a:r>
+              <a:rPr lang="en-US" sz="1800" dirty="0">
+                <a:latin typeface="Fixedsys"/>
+              </a:rPr>
+              <a:t>  IL_0001:  ldarg.0</a:t>
+            </a:r>
+          </a:p>
+          <a:p>
+            <a:r>
+              <a:rPr lang="en-US" sz="1800" dirty="0">
+                <a:latin typeface="Fixedsys"/>
+              </a:rPr>
+              <a:t>  IL_0002:  </a:t>
+            </a:r>
+            <a:r>
+              <a:rPr lang="en-US" sz="1800" dirty="0" err="1">
+                <a:latin typeface="Fixedsys"/>
+              </a:rPr>
+              <a:t>ldstr</a:t>
+            </a:r>
+            <a:r>
+              <a:rPr lang="en-US" sz="1800" dirty="0">
+                <a:latin typeface="Fixedsys"/>
+              </a:rPr>
+              <a:t>      " "</a:t>
+            </a:r>
+          </a:p>
+          <a:p>
+            <a:r>
+              <a:rPr lang="en-US" sz="1800" dirty="0">
+                <a:latin typeface="Fixedsys"/>
+              </a:rPr>
+              <a:t>  IL_0007:  ldarg.1</a:t>
+            </a:r>
+          </a:p>
+          <a:p>
+            <a:r>
+              <a:rPr lang="en-US" sz="1800" dirty="0">
+                <a:latin typeface="Fixedsys"/>
+              </a:rPr>
+              <a:t>  IL_0008:  call       string [</a:t>
+            </a:r>
+            <a:r>
+              <a:rPr lang="en-US" sz="1800" dirty="0" err="1">
+                <a:latin typeface="Fixedsys"/>
+              </a:rPr>
+              <a:t>System.Runtime</a:t>
+            </a:r>
+            <a:r>
+              <a:rPr lang="en-US" sz="1800" dirty="0">
+                <a:latin typeface="Fixedsys"/>
+              </a:rPr>
+              <a:t>]</a:t>
+            </a:r>
+            <a:r>
+              <a:rPr lang="en-US" sz="1800" dirty="0" err="1">
+                <a:latin typeface="Fixedsys"/>
+              </a:rPr>
+              <a:t>System.String</a:t>
+            </a:r>
+            <a:r>
+              <a:rPr lang="en-US" sz="1800" dirty="0">
+                <a:latin typeface="Fixedsys"/>
+              </a:rPr>
+              <a:t>::</a:t>
+            </a:r>
+            <a:r>
+              <a:rPr lang="en-US" sz="1800" dirty="0" err="1">
+                <a:latin typeface="Fixedsys"/>
+              </a:rPr>
+              <a:t>Concat</a:t>
+            </a:r>
+            <a:r>
+              <a:rPr lang="en-US" sz="1800" dirty="0">
+                <a:latin typeface="Fixedsys"/>
+              </a:rPr>
+              <a:t>(string,</a:t>
+            </a:r>
+          </a:p>
+          <a:p>
+            <a:r>
+              <a:rPr lang="en-US" sz="1800" dirty="0">
+                <a:latin typeface="Fixedsys"/>
+              </a:rPr>
+              <a:t>                                                                    string,</a:t>
+            </a:r>
+          </a:p>
+          <a:p>
+            <a:r>
+              <a:rPr lang="en-US" sz="1800" dirty="0">
+                <a:latin typeface="Fixedsys"/>
+              </a:rPr>
+              <a:t>                                                                    string)</a:t>
+            </a:r>
+          </a:p>
+          <a:p>
+            <a:r>
+              <a:rPr lang="en-US" sz="1800" dirty="0">
+                <a:latin typeface="Fixedsys"/>
+              </a:rPr>
+              <a:t>  IL_000d:  call       void [</a:t>
+            </a:r>
+            <a:r>
+              <a:rPr lang="en-US" sz="1800" dirty="0" err="1">
+                <a:latin typeface="Fixedsys"/>
+              </a:rPr>
+              <a:t>System.Console</a:t>
+            </a:r>
+            <a:r>
+              <a:rPr lang="en-US" sz="1800" dirty="0">
+                <a:latin typeface="Fixedsys"/>
+              </a:rPr>
+              <a:t>]</a:t>
+            </a:r>
+            <a:r>
+              <a:rPr lang="en-US" sz="1800" dirty="0" err="1">
+                <a:latin typeface="Fixedsys"/>
+              </a:rPr>
+              <a:t>System.Console</a:t>
+            </a:r>
+            <a:r>
+              <a:rPr lang="en-US" sz="1800" dirty="0">
+                <a:latin typeface="Fixedsys"/>
+              </a:rPr>
+              <a:t>::WriteLine(string)</a:t>
+            </a:r>
+          </a:p>
+          <a:p>
+            <a:r>
+              <a:rPr lang="en-US" sz="1800" dirty="0">
+                <a:latin typeface="Fixedsys"/>
+              </a:rPr>
+              <a:t>  IL_0012:  </a:t>
+            </a:r>
+            <a:r>
+              <a:rPr lang="en-US" sz="1800" dirty="0" err="1">
+                <a:latin typeface="Fixedsys"/>
+              </a:rPr>
+              <a:t>nop</a:t>
+            </a:r>
+            <a:endParaRPr lang="en-US" sz="1800" dirty="0">
+              <a:latin typeface="Fixedsys"/>
+            </a:endParaRPr>
+          </a:p>
+          <a:p>
+            <a:r>
+              <a:rPr lang="en-US" sz="1800" dirty="0">
+                <a:latin typeface="Fixedsys"/>
+              </a:rPr>
+              <a:t>  IL_0013:  ret</a:t>
+            </a:r>
+          </a:p>
+          <a:p>
+            <a:r>
+              <a:rPr lang="en-US" sz="1800" dirty="0">
+                <a:latin typeface="Fixedsys"/>
+              </a:rPr>
+              <a:t>} // end of method Program::'&lt;&lt;Main&gt;$&gt;g__Test1|0_0'</a:t>
+            </a:r>
+          </a:p>
+          <a:p>
+            <a:pPr marL="0" indent="0">
+              <a:buNone/>
+            </a:pPr>
+            <a:endParaRPr lang="en-US" dirty="0"/>
+          </a:p>
+        </p:txBody>
+      </p:sp>
+      <p:sp>
+        <p:nvSpPr>
+          <p:cNvPr id="6" name="Content Placeholder 5">
+            <a:extLst>
+              <a:ext uri="{FF2B5EF4-FFF2-40B4-BE49-F238E27FC236}">
+                <a16:creationId xmlns:a16="http://schemas.microsoft.com/office/drawing/2014/main" id="{6BFEC650-6FFC-ACAC-B904-7DE00CEA3775}"/>
+              </a:ext>
+            </a:extLst>
+          </p:cNvPr>
+          <p:cNvSpPr>
+            <a:spLocks noGrp="1"/>
+          </p:cNvSpPr>
+          <p:nvPr>
+            <p:ph sz="half" idx="2"/>
+          </p:nvPr>
+        </p:nvSpPr>
+        <p:spPr/>
+        <p:txBody>
+          <a:bodyPr>
+            <a:normAutofit fontScale="40000" lnSpcReduction="20000"/>
+          </a:bodyPr>
+          <a:lstStyle/>
+          <a:p>
+            <a:r>
+              <a:rPr lang="en-US" sz="1800" dirty="0">
+                <a:latin typeface="Fixedsys"/>
+              </a:rPr>
+              <a:t>.method assembly </a:t>
+            </a:r>
+            <a:r>
+              <a:rPr lang="en-US" sz="1800" dirty="0" err="1">
+                <a:latin typeface="Fixedsys"/>
+              </a:rPr>
+              <a:t>hidebysig</a:t>
+            </a:r>
+            <a:r>
+              <a:rPr lang="en-US" sz="1800" dirty="0">
+                <a:latin typeface="Fixedsys"/>
+              </a:rPr>
+              <a:t> static void  '&lt;&lt;Main&gt;$&gt;g__Test2|0_1'([opt] string p1,</a:t>
+            </a:r>
+          </a:p>
+          <a:p>
+            <a:r>
+              <a:rPr lang="en-US" sz="1800" dirty="0">
+                <a:latin typeface="Fixedsys"/>
+              </a:rPr>
+              <a:t>                                                                [opt] string p2) </a:t>
+            </a:r>
+            <a:r>
+              <a:rPr lang="en-US" sz="1800" dirty="0" err="1">
+                <a:latin typeface="Fixedsys"/>
+              </a:rPr>
+              <a:t>cil</a:t>
+            </a:r>
+            <a:r>
+              <a:rPr lang="en-US" sz="1800" dirty="0">
+                <a:latin typeface="Fixedsys"/>
+              </a:rPr>
+              <a:t> managed</a:t>
+            </a:r>
+          </a:p>
+          <a:p>
+            <a:r>
+              <a:rPr lang="en-US" sz="1800" dirty="0">
+                <a:latin typeface="Fixedsys"/>
+              </a:rPr>
+              <a:t>{</a:t>
+            </a:r>
+          </a:p>
+          <a:p>
+            <a:r>
+              <a:rPr lang="en-US" sz="1800" dirty="0">
+                <a:latin typeface="Fixedsys"/>
+              </a:rPr>
+              <a:t>  .custom instance void </a:t>
+            </a:r>
+            <a:r>
+              <a:rPr lang="en-US" sz="1800" dirty="0" err="1">
+                <a:latin typeface="Fixedsys"/>
+              </a:rPr>
+              <a:t>System.Runtime.CompilerServices.NullableContextAttribute</a:t>
+            </a:r>
+            <a:r>
+              <a:rPr lang="en-US" sz="1800" dirty="0">
+                <a:latin typeface="Fixedsys"/>
+              </a:rPr>
+              <a:t>::.</a:t>
+            </a:r>
+            <a:r>
+              <a:rPr lang="en-US" sz="1800" dirty="0" err="1">
+                <a:latin typeface="Fixedsys"/>
+              </a:rPr>
+              <a:t>ctor</a:t>
+            </a:r>
+            <a:r>
+              <a:rPr lang="en-US" sz="1800" dirty="0">
+                <a:latin typeface="Fixedsys"/>
+              </a:rPr>
+              <a:t>(uint8) = ( 01 00 01 00 00 ) </a:t>
+            </a:r>
+          </a:p>
+          <a:p>
+            <a:r>
+              <a:rPr lang="en-US" sz="1800" dirty="0">
+                <a:latin typeface="Fixedsys"/>
+              </a:rPr>
+              <a:t>  .custom instance void [</a:t>
+            </a:r>
+            <a:r>
+              <a:rPr lang="en-US" sz="1800" dirty="0" err="1">
+                <a:latin typeface="Fixedsys"/>
+              </a:rPr>
+              <a:t>System.Runtime</a:t>
+            </a:r>
+            <a:r>
+              <a:rPr lang="en-US" sz="1800" dirty="0">
+                <a:latin typeface="Fixedsys"/>
+              </a:rPr>
+              <a:t>]</a:t>
+            </a:r>
+            <a:r>
+              <a:rPr lang="en-US" sz="1800" dirty="0" err="1">
+                <a:latin typeface="Fixedsys"/>
+              </a:rPr>
+              <a:t>System.Runtime.CompilerServices.CompilerGeneratedAttribute</a:t>
+            </a:r>
+            <a:r>
+              <a:rPr lang="en-US" sz="1800" dirty="0">
+                <a:latin typeface="Fixedsys"/>
+              </a:rPr>
+              <a:t>::.</a:t>
+            </a:r>
+            <a:r>
+              <a:rPr lang="en-US" sz="1800" dirty="0" err="1">
+                <a:latin typeface="Fixedsys"/>
+              </a:rPr>
+              <a:t>ctor</a:t>
+            </a:r>
+            <a:r>
+              <a:rPr lang="en-US" sz="1800" dirty="0">
+                <a:latin typeface="Fixedsys"/>
+              </a:rPr>
+              <a:t>() = ( 01 00 00 00 ) </a:t>
+            </a:r>
+          </a:p>
+          <a:p>
+            <a:r>
+              <a:rPr lang="en-US" sz="1800" dirty="0">
+                <a:latin typeface="Fixedsys"/>
+              </a:rPr>
+              <a:t>  .param [1] = "param1"</a:t>
+            </a:r>
+          </a:p>
+          <a:p>
+            <a:r>
+              <a:rPr lang="en-US" sz="1800" dirty="0">
+                <a:latin typeface="Fixedsys"/>
+              </a:rPr>
+              <a:t>  .param [2] = "param2"</a:t>
+            </a:r>
+          </a:p>
+          <a:p>
+            <a:r>
+              <a:rPr lang="en-US" sz="1800" dirty="0">
+                <a:latin typeface="Fixedsys"/>
+              </a:rPr>
+              <a:t>  // Code size       20 (0x14)</a:t>
+            </a:r>
+          </a:p>
+          <a:p>
+            <a:r>
+              <a:rPr lang="en-US" sz="1800" dirty="0">
+                <a:latin typeface="Fixedsys"/>
+              </a:rPr>
+              <a:t>  .</a:t>
+            </a:r>
+            <a:r>
+              <a:rPr lang="en-US" sz="1800" dirty="0" err="1">
+                <a:latin typeface="Fixedsys"/>
+              </a:rPr>
+              <a:t>maxstack</a:t>
+            </a:r>
+            <a:r>
+              <a:rPr lang="en-US" sz="1800" dirty="0">
+                <a:latin typeface="Fixedsys"/>
+              </a:rPr>
+              <a:t>  8</a:t>
+            </a:r>
+          </a:p>
+          <a:p>
+            <a:r>
+              <a:rPr lang="en-US" sz="1800" dirty="0">
+                <a:latin typeface="Fixedsys"/>
+              </a:rPr>
+              <a:t>  IL_0000:  </a:t>
+            </a:r>
+            <a:r>
+              <a:rPr lang="en-US" sz="1800" dirty="0" err="1">
+                <a:latin typeface="Fixedsys"/>
+              </a:rPr>
+              <a:t>nop</a:t>
+            </a:r>
+            <a:endParaRPr lang="en-US" sz="1800" dirty="0">
+              <a:latin typeface="Fixedsys"/>
+            </a:endParaRPr>
+          </a:p>
+          <a:p>
+            <a:r>
+              <a:rPr lang="en-US" sz="1800" dirty="0">
+                <a:latin typeface="Fixedsys"/>
+              </a:rPr>
+              <a:t>  IL_0001:  ldarg.0</a:t>
+            </a:r>
+          </a:p>
+          <a:p>
+            <a:r>
+              <a:rPr lang="en-US" sz="1800" dirty="0">
+                <a:latin typeface="Fixedsys"/>
+              </a:rPr>
+              <a:t>  IL_0002:  </a:t>
+            </a:r>
+            <a:r>
+              <a:rPr lang="en-US" sz="1800" dirty="0" err="1">
+                <a:latin typeface="Fixedsys"/>
+              </a:rPr>
+              <a:t>ldstr</a:t>
+            </a:r>
+            <a:r>
+              <a:rPr lang="en-US" sz="1800" dirty="0">
+                <a:latin typeface="Fixedsys"/>
+              </a:rPr>
+              <a:t>      " "</a:t>
+            </a:r>
+          </a:p>
+          <a:p>
+            <a:r>
+              <a:rPr lang="en-US" sz="1800" dirty="0">
+                <a:latin typeface="Fixedsys"/>
+              </a:rPr>
+              <a:t>  IL_0007:  ldarg.1</a:t>
+            </a:r>
+          </a:p>
+          <a:p>
+            <a:r>
+              <a:rPr lang="en-US" sz="1800" dirty="0">
+                <a:latin typeface="Fixedsys"/>
+              </a:rPr>
+              <a:t>  IL_0008:  call       string [</a:t>
+            </a:r>
+            <a:r>
+              <a:rPr lang="en-US" sz="1800" dirty="0" err="1">
+                <a:latin typeface="Fixedsys"/>
+              </a:rPr>
+              <a:t>System.Runtime</a:t>
+            </a:r>
+            <a:r>
+              <a:rPr lang="en-US" sz="1800" dirty="0">
+                <a:latin typeface="Fixedsys"/>
+              </a:rPr>
+              <a:t>]</a:t>
+            </a:r>
+            <a:r>
+              <a:rPr lang="en-US" sz="1800" dirty="0" err="1">
+                <a:latin typeface="Fixedsys"/>
+              </a:rPr>
+              <a:t>System.String</a:t>
+            </a:r>
+            <a:r>
+              <a:rPr lang="en-US" sz="1800" dirty="0">
+                <a:latin typeface="Fixedsys"/>
+              </a:rPr>
+              <a:t>::</a:t>
+            </a:r>
+            <a:r>
+              <a:rPr lang="en-US" sz="1800" dirty="0" err="1">
+                <a:latin typeface="Fixedsys"/>
+              </a:rPr>
+              <a:t>Concat</a:t>
+            </a:r>
+            <a:r>
+              <a:rPr lang="en-US" sz="1800" dirty="0">
+                <a:latin typeface="Fixedsys"/>
+              </a:rPr>
+              <a:t>(string,</a:t>
+            </a:r>
+          </a:p>
+          <a:p>
+            <a:r>
+              <a:rPr lang="en-US" sz="1800" dirty="0">
+                <a:latin typeface="Fixedsys"/>
+              </a:rPr>
+              <a:t>                                                                    string,</a:t>
+            </a:r>
+          </a:p>
+          <a:p>
+            <a:r>
+              <a:rPr lang="en-US" sz="1800" dirty="0">
+                <a:latin typeface="Fixedsys"/>
+              </a:rPr>
+              <a:t>                                                                    string)</a:t>
+            </a:r>
+          </a:p>
+          <a:p>
+            <a:r>
+              <a:rPr lang="en-US" sz="1800" dirty="0">
+                <a:latin typeface="Fixedsys"/>
+              </a:rPr>
+              <a:t>  IL_000d:  call       void [</a:t>
+            </a:r>
+            <a:r>
+              <a:rPr lang="en-US" sz="1800" dirty="0" err="1">
+                <a:latin typeface="Fixedsys"/>
+              </a:rPr>
+              <a:t>System.Console</a:t>
+            </a:r>
+            <a:r>
+              <a:rPr lang="en-US" sz="1800" dirty="0">
+                <a:latin typeface="Fixedsys"/>
+              </a:rPr>
+              <a:t>]</a:t>
+            </a:r>
+            <a:r>
+              <a:rPr lang="en-US" sz="1800" dirty="0" err="1">
+                <a:latin typeface="Fixedsys"/>
+              </a:rPr>
+              <a:t>System.Console</a:t>
+            </a:r>
+            <a:r>
+              <a:rPr lang="en-US" sz="1800" dirty="0">
+                <a:latin typeface="Fixedsys"/>
+              </a:rPr>
+              <a:t>::WriteLine(string)</a:t>
+            </a:r>
+          </a:p>
+          <a:p>
+            <a:r>
+              <a:rPr lang="en-US" sz="1800" dirty="0">
+                <a:latin typeface="Fixedsys"/>
+              </a:rPr>
+              <a:t>  IL_0012:  </a:t>
+            </a:r>
+            <a:r>
+              <a:rPr lang="en-US" sz="1800" dirty="0" err="1">
+                <a:latin typeface="Fixedsys"/>
+              </a:rPr>
+              <a:t>nop</a:t>
+            </a:r>
+            <a:endParaRPr lang="en-US" sz="1800" dirty="0">
+              <a:latin typeface="Fixedsys"/>
+            </a:endParaRPr>
+          </a:p>
+          <a:p>
+            <a:r>
+              <a:rPr lang="en-US" sz="1800" dirty="0">
+                <a:latin typeface="Fixedsys"/>
+              </a:rPr>
+              <a:t>  IL_0013:  ret</a:t>
+            </a:r>
+          </a:p>
+          <a:p>
+            <a:r>
+              <a:rPr lang="en-US" sz="1800" dirty="0">
+                <a:latin typeface="Fixedsys"/>
+              </a:rPr>
+              <a:t>} // end of method Program::'&lt;&lt;Main&gt;$&gt;g__Test2|0_1'</a:t>
+            </a:r>
+          </a:p>
+          <a:p>
+            <a:endParaRPr lang="en-US" sz="1800" dirty="0">
+              <a:latin typeface="Fixedsys"/>
+            </a:endParaRPr>
+          </a:p>
+          <a:p>
+            <a:endParaRPr lang="en-US" sz="1800" dirty="0">
+              <a:latin typeface="Fixedsys"/>
+            </a:endParaRPr>
+          </a:p>
+          <a:p>
+            <a:pPr marL="0" indent="0">
+              <a:buNone/>
+            </a:pPr>
+            <a:endParaRPr lang="en-US" dirty="0"/>
+          </a:p>
+        </p:txBody>
+      </p:sp>
+    </p:spTree>
+    <p:extLst>
+      <p:ext uri="{BB962C8B-B14F-4D97-AF65-F5344CB8AC3E}">
+        <p14:creationId xmlns:p14="http://schemas.microsoft.com/office/powerpoint/2010/main" val="824939705"/>
+      </p:ext>
+    </p:extLst>
+  </p:cSld>
+  <p:clrMapOvr>
+    <a:masterClrMapping/>
+  </p:clrMapOvr>
+</p:sld>
+</file>
+
+<file path=ppt/slides/slide7.xml><?xml version="1.0" encoding="utf-8"?>
+<p:sld xmlns:a="http://schemas.openxmlformats.org/drawingml/2006/main" xmlns:r="http://schemas.openxmlformats.org/officeDocument/2006/relationships" xmlns:p="http://schemas.openxmlformats.org/presentationml/2006/main">
+  <p:cSld>
+    <p:spTree>
+      <p:nvGrpSpPr>
+        <p:cNvPr id="1" name=""/>
+        <p:cNvGrpSpPr/>
+        <p:nvPr/>
+      </p:nvGrpSpPr>
+      <p:grpSpPr>
+        <a:xfrm>
+          <a:off x="0" y="0"/>
+          <a:ext cx="0" cy="0"/>
+          <a:chOff x="0" y="0"/>
+          <a:chExt cx="0" cy="0"/>
+        </a:xfrm>
+      </p:grpSpPr>
+      <p:sp>
+        <p:nvSpPr>
+          <p:cNvPr id="2" name="Title 1">
+            <a:extLst>
+              <a:ext uri="{FF2B5EF4-FFF2-40B4-BE49-F238E27FC236}">
+                <a16:creationId xmlns:a16="http://schemas.microsoft.com/office/drawing/2014/main" id="{DF309F7E-4E68-55B3-D089-3A1CCFED5F0E}"/>
+              </a:ext>
+            </a:extLst>
+          </p:cNvPr>
+          <p:cNvSpPr>
+            <a:spLocks noGrp="1"/>
+          </p:cNvSpPr>
+          <p:nvPr>
+            <p:ph type="title"/>
+          </p:nvPr>
+        </p:nvSpPr>
+        <p:spPr/>
+        <p:txBody>
+          <a:bodyPr/>
+          <a:lstStyle/>
+          <a:p>
+            <a:r>
+              <a:rPr lang="en-US" dirty="0"/>
+              <a:t>Implicitly Typed Local Variables</a:t>
+            </a:r>
+          </a:p>
+        </p:txBody>
+      </p:sp>
+      <p:sp>
+        <p:nvSpPr>
+          <p:cNvPr id="5" name="Content Placeholder 4">
+            <a:extLst>
+              <a:ext uri="{FF2B5EF4-FFF2-40B4-BE49-F238E27FC236}">
+                <a16:creationId xmlns:a16="http://schemas.microsoft.com/office/drawing/2014/main" id="{33EF4901-0458-86E9-FDC7-978FF97EA7C6}"/>
+              </a:ext>
+            </a:extLst>
+          </p:cNvPr>
+          <p:cNvSpPr>
+            <a:spLocks noGrp="1"/>
+          </p:cNvSpPr>
+          <p:nvPr>
+            <p:ph idx="1"/>
+          </p:nvPr>
+        </p:nvSpPr>
+        <p:spPr/>
+        <p:txBody>
+          <a:bodyPr/>
+          <a:lstStyle/>
+          <a:p>
+            <a:endParaRPr lang="en-US" dirty="0"/>
+          </a:p>
+        </p:txBody>
+      </p:sp>
+    </p:spTree>
+    <p:extLst>
+      <p:ext uri="{BB962C8B-B14F-4D97-AF65-F5344CB8AC3E}">
+        <p14:creationId xmlns:p14="http://schemas.microsoft.com/office/powerpoint/2010/main" val="1736225715"/>
       </p:ext>
     </p:extLst>
   </p:cSld>
@@ -3584,4 +4677,10 @@
     </a:ext>
   </a:extLst>
 </a:theme>
+</file>
+
+<file path=docMetadata/LabelInfo.xml><?xml version="1.0" encoding="utf-8"?>
+<clbl:labelList xmlns:clbl="http://schemas.microsoft.com/office/2020/mipLabelMetadata">
+  <clbl:label id="{f42aa342-8706-4288-bd11-ebb85995028c}" enabled="1" method="Standard" siteId="{72f988bf-86f1-41af-91ab-2d7cd011db47}" contentBits="0" removed="0"/>
+</clbl:labelList>
 </file>
--- a/CLR_via_CSharp/Chapter 9 - Paramters/Parameters.pptx
+++ b/CLR_via_CSharp/Chapter 9 - Paramters/Parameters.pptx
@@ -12,6 +12,7 @@
     <p:sldId id="260" r:id="rId6"/>
     <p:sldId id="261" r:id="rId7"/>
     <p:sldId id="262" r:id="rId8"/>
+    <p:sldId id="263" r:id="rId9"/>
   </p:sldIdLst>
   <p:sldSz cx="12192000" cy="6858000"/>
   <p:notesSz cx="6858000" cy="9144000"/>
@@ -4401,14 +4402,181 @@
           <a:bodyPr/>
           <a:lstStyle/>
           <a:p>
+            <a:r>
+              <a:rPr lang="en-US" dirty="0"/>
+              <a:t>You can use your cursor to figure it out</a:t>
+            </a:r>
+          </a:p>
+          <a:p>
+            <a:r>
+              <a:rPr lang="en-US" dirty="0"/>
+              <a:t>Also works as expected</a:t>
+            </a:r>
+          </a:p>
+          <a:p>
+            <a:r>
+              <a:rPr lang="en-US" dirty="0"/>
+              <a:t>Can’t use null</a:t>
+            </a:r>
+          </a:p>
+          <a:p>
             <a:endParaRPr lang="en-US" dirty="0"/>
           </a:p>
         </p:txBody>
       </p:sp>
+      <p:pic>
+        <p:nvPicPr>
+          <p:cNvPr id="7" name="Picture 6">
+            <a:extLst>
+              <a:ext uri="{FF2B5EF4-FFF2-40B4-BE49-F238E27FC236}">
+                <a16:creationId xmlns:a16="http://schemas.microsoft.com/office/drawing/2014/main" id="{3DCF5A5B-49F8-6A0E-4FD3-B0CC53657C97}"/>
+              </a:ext>
+            </a:extLst>
+          </p:cNvPr>
+          <p:cNvPicPr>
+            <a:picLocks noChangeAspect="1"/>
+          </p:cNvPicPr>
+          <p:nvPr/>
+        </p:nvPicPr>
+        <p:blipFill>
+          <a:blip r:embed="rId2"/>
+          <a:stretch>
+            <a:fillRect/>
+          </a:stretch>
+        </p:blipFill>
+        <p:spPr>
+          <a:xfrm>
+            <a:off x="3771575" y="2523998"/>
+            <a:ext cx="4648849" cy="1810003"/>
+          </a:xfrm>
+          <a:prstGeom prst="rect">
+            <a:avLst/>
+          </a:prstGeom>
+        </p:spPr>
+      </p:pic>
     </p:spTree>
     <p:extLst>
       <p:ext uri="{BB962C8B-B14F-4D97-AF65-F5344CB8AC3E}">
         <p14:creationId xmlns:p14="http://schemas.microsoft.com/office/powerpoint/2010/main" val="1736225715"/>
+      </p:ext>
+    </p:extLst>
+  </p:cSld>
+  <p:clrMapOvr>
+    <a:masterClrMapping/>
+  </p:clrMapOvr>
+</p:sld>
+</file>
+
+<file path=ppt/slides/slide8.xml><?xml version="1.0" encoding="utf-8"?>
+<p:sld xmlns:a="http://schemas.openxmlformats.org/drawingml/2006/main" xmlns:r="http://schemas.openxmlformats.org/officeDocument/2006/relationships" xmlns:p="http://schemas.openxmlformats.org/presentationml/2006/main">
+  <p:cSld>
+    <p:spTree>
+      <p:nvGrpSpPr>
+        <p:cNvPr id="1" name=""/>
+        <p:cNvGrpSpPr/>
+        <p:nvPr/>
+      </p:nvGrpSpPr>
+      <p:grpSpPr>
+        <a:xfrm>
+          <a:off x="0" y="0"/>
+          <a:ext cx="0" cy="0"/>
+          <a:chOff x="0" y="0"/>
+          <a:chExt cx="0" cy="0"/>
+        </a:xfrm>
+      </p:grpSpPr>
+      <p:sp>
+        <p:nvSpPr>
+          <p:cNvPr id="2" name="Title 1">
+            <a:extLst>
+              <a:ext uri="{FF2B5EF4-FFF2-40B4-BE49-F238E27FC236}">
+                <a16:creationId xmlns:a16="http://schemas.microsoft.com/office/drawing/2014/main" id="{4543AD98-54CC-8EE3-9E48-696F333B2D59}"/>
+              </a:ext>
+            </a:extLst>
+          </p:cNvPr>
+          <p:cNvSpPr>
+            <a:spLocks noGrp="1"/>
+          </p:cNvSpPr>
+          <p:nvPr>
+            <p:ph type="title"/>
+          </p:nvPr>
+        </p:nvSpPr>
+        <p:spPr/>
+        <p:txBody>
+          <a:bodyPr/>
+          <a:lstStyle/>
+          <a:p>
+            <a:r>
+              <a:rPr lang="en-US" dirty="0"/>
+              <a:t>Can you declare a method parameter using var?</a:t>
+            </a:r>
+          </a:p>
+        </p:txBody>
+      </p:sp>
+      <p:sp>
+        <p:nvSpPr>
+          <p:cNvPr id="3" name="Content Placeholder 2">
+            <a:extLst>
+              <a:ext uri="{FF2B5EF4-FFF2-40B4-BE49-F238E27FC236}">
+                <a16:creationId xmlns:a16="http://schemas.microsoft.com/office/drawing/2014/main" id="{6C712F0C-B711-DC29-5DBE-95A3DD255EA1}"/>
+              </a:ext>
+            </a:extLst>
+          </p:cNvPr>
+          <p:cNvSpPr>
+            <a:spLocks noGrp="1"/>
+          </p:cNvSpPr>
+          <p:nvPr>
+            <p:ph idx="1"/>
+          </p:nvPr>
+        </p:nvSpPr>
+        <p:spPr/>
+        <p:txBody>
+          <a:bodyPr/>
+          <a:lstStyle/>
+          <a:p>
+            <a:pPr marL="0" indent="0">
+              <a:buNone/>
+            </a:pPr>
+            <a:r>
+              <a:rPr lang="en-US" dirty="0"/>
+              <a:t>According to </a:t>
+            </a:r>
+            <a:r>
+              <a:rPr lang="en-US" dirty="0" err="1"/>
+              <a:t>ya</a:t>
+            </a:r>
+            <a:r>
+              <a:rPr lang="en-US" dirty="0"/>
+              <a:t> boy Jeff, it should be OBVIOUS that you cannot</a:t>
+            </a:r>
+          </a:p>
+          <a:p>
+            <a:pPr marL="0" indent="0">
+              <a:buNone/>
+            </a:pPr>
+            <a:endParaRPr lang="en-US" dirty="0"/>
+          </a:p>
+          <a:p>
+            <a:pPr marL="0" indent="0">
+              <a:buNone/>
+            </a:pPr>
+            <a:r>
+              <a:rPr lang="en-US" dirty="0"/>
+              <a:t>(compiler would have to infer the type) </a:t>
+            </a:r>
+            <a:r>
+              <a:rPr lang="en-US" dirty="0">
+                <a:sym typeface="Wingdings" panose="05000000000000000000" pitchFamily="2" charset="2"/>
+              </a:rPr>
+              <a:t> that just leads to complications in a language where type safety is a thing</a:t>
+            </a:r>
+            <a:endParaRPr lang="en-US" dirty="0"/>
+          </a:p>
+        </p:txBody>
+      </p:sp>
+    </p:spTree>
+    <p:extLst>
+      <p:ext uri="{BB962C8B-B14F-4D97-AF65-F5344CB8AC3E}">
+        <p14:creationId xmlns:p14="http://schemas.microsoft.com/office/powerpoint/2010/main" val="2859647594"/>
       </p:ext>
     </p:extLst>
   </p:cSld>

--- a/CLR_via_CSharp/Chapter 9 - Paramters/Parameters.pptx
+++ b/CLR_via_CSharp/Chapter 9 - Paramters/Parameters.pptx
@@ -4,6 +4,9 @@
   <p:sldMasterIdLst>
     <p:sldMasterId id="2147483660" r:id="rId1"/>
   </p:sldMasterIdLst>
+  <p:notesMasterIdLst>
+    <p:notesMasterId r:id="rId13"/>
+  </p:notesMasterIdLst>
   <p:sldIdLst>
     <p:sldId id="256" r:id="rId2"/>
     <p:sldId id="257" r:id="rId3"/>
@@ -13,6 +16,9 @@
     <p:sldId id="261" r:id="rId7"/>
     <p:sldId id="262" r:id="rId8"/>
     <p:sldId id="263" r:id="rId9"/>
+    <p:sldId id="264" r:id="rId10"/>
+    <p:sldId id="265" r:id="rId11"/>
+    <p:sldId id="266" r:id="rId12"/>
   </p:sldIdLst>
   <p:sldSz cx="12192000" cy="6858000"/>
   <p:notesSz cx="6858000" cy="9144000"/>
@@ -117,6 +123,439 @@
     </p:ext>
   </p:extLst>
 </p:presentation>
+</file>
+
+<file path=ppt/notesMasters/notesMaster1.xml><?xml version="1.0" encoding="utf-8"?>
+<p:notesMaster xmlns:a="http://schemas.openxmlformats.org/drawingml/2006/main" xmlns:r="http://schemas.openxmlformats.org/officeDocument/2006/relationships" xmlns:p="http://schemas.openxmlformats.org/presentationml/2006/main">
+  <p:cSld>
+    <p:bg>
+      <p:bgRef idx="1001">
+        <a:schemeClr val="bg1"/>
+      </p:bgRef>
+    </p:bg>
+    <p:spTree>
+      <p:nvGrpSpPr>
+        <p:cNvPr id="1" name=""/>
+        <p:cNvGrpSpPr/>
+        <p:nvPr/>
+      </p:nvGrpSpPr>
+      <p:grpSpPr>
+        <a:xfrm>
+          <a:off x="0" y="0"/>
+          <a:ext cx="0" cy="0"/>
+          <a:chOff x="0" y="0"/>
+          <a:chExt cx="0" cy="0"/>
+        </a:xfrm>
+      </p:grpSpPr>
+      <p:sp>
+        <p:nvSpPr>
+          <p:cNvPr id="2" name="Header Placeholder 1"/>
+          <p:cNvSpPr>
+            <a:spLocks noGrp="1"/>
+          </p:cNvSpPr>
+          <p:nvPr>
+            <p:ph type="hdr" sz="quarter"/>
+          </p:nvPr>
+        </p:nvSpPr>
+        <p:spPr>
+          <a:xfrm>
+            <a:off x="0" y="0"/>
+            <a:ext cx="2971800" cy="458788"/>
+          </a:xfrm>
+          <a:prstGeom prst="rect">
+            <a:avLst/>
+          </a:prstGeom>
+        </p:spPr>
+        <p:txBody>
+          <a:bodyPr vert="horz" lIns="91440" tIns="45720" rIns="91440" bIns="45720" rtlCol="0"/>
+          <a:lstStyle>
+            <a:lvl1pPr algn="l">
+              <a:defRPr sz="1200"/>
+            </a:lvl1pPr>
+          </a:lstStyle>
+          <a:p>
+            <a:endParaRPr lang="en-US"/>
+          </a:p>
+        </p:txBody>
+      </p:sp>
+      <p:sp>
+        <p:nvSpPr>
+          <p:cNvPr id="3" name="Date Placeholder 2"/>
+          <p:cNvSpPr>
+            <a:spLocks noGrp="1"/>
+          </p:cNvSpPr>
+          <p:nvPr>
+            <p:ph type="dt" idx="1"/>
+          </p:nvPr>
+        </p:nvSpPr>
+        <p:spPr>
+          <a:xfrm>
+            <a:off x="3884613" y="0"/>
+            <a:ext cx="2971800" cy="458788"/>
+          </a:xfrm>
+          <a:prstGeom prst="rect">
+            <a:avLst/>
+          </a:prstGeom>
+        </p:spPr>
+        <p:txBody>
+          <a:bodyPr vert="horz" lIns="91440" tIns="45720" rIns="91440" bIns="45720" rtlCol="0"/>
+          <a:lstStyle>
+            <a:lvl1pPr algn="r">
+              <a:defRPr sz="1200"/>
+            </a:lvl1pPr>
+          </a:lstStyle>
+          <a:p>
+            <a:fld id="{91F504B1-F7AD-473F-ADBA-308DF4FACF96}" type="datetimeFigureOut">
+              <a:rPr lang="en-US" smtClean="0"/>
+              <a:t>9/8/2022</a:t>
+            </a:fld>
+            <a:endParaRPr lang="en-US"/>
+          </a:p>
+        </p:txBody>
+      </p:sp>
+      <p:sp>
+        <p:nvSpPr>
+          <p:cNvPr id="4" name="Slide Image Placeholder 3"/>
+          <p:cNvSpPr>
+            <a:spLocks noGrp="1" noRot="1" noChangeAspect="1"/>
+          </p:cNvSpPr>
+          <p:nvPr>
+            <p:ph type="sldImg" idx="2"/>
+          </p:nvPr>
+        </p:nvSpPr>
+        <p:spPr>
+          <a:xfrm>
+            <a:off x="685800" y="1143000"/>
+            <a:ext cx="5486400" cy="3086100"/>
+          </a:xfrm>
+          <a:prstGeom prst="rect">
+            <a:avLst/>
+          </a:prstGeom>
+          <a:noFill/>
+          <a:ln w="12700">
+            <a:solidFill>
+              <a:prstClr val="black"/>
+            </a:solidFill>
+          </a:ln>
+        </p:spPr>
+        <p:txBody>
+          <a:bodyPr vert="horz" lIns="91440" tIns="45720" rIns="91440" bIns="45720" rtlCol="0" anchor="ctr"/>
+          <a:lstStyle/>
+          <a:p>
+            <a:endParaRPr lang="en-US"/>
+          </a:p>
+        </p:txBody>
+      </p:sp>
+      <p:sp>
+        <p:nvSpPr>
+          <p:cNvPr id="5" name="Notes Placeholder 4"/>
+          <p:cNvSpPr>
+            <a:spLocks noGrp="1"/>
+          </p:cNvSpPr>
+          <p:nvPr>
+            <p:ph type="body" sz="quarter" idx="3"/>
+          </p:nvPr>
+        </p:nvSpPr>
+        <p:spPr>
+          <a:xfrm>
+            <a:off x="685800" y="4400550"/>
+            <a:ext cx="5486400" cy="3600450"/>
+          </a:xfrm>
+          <a:prstGeom prst="rect">
+            <a:avLst/>
+          </a:prstGeom>
+        </p:spPr>
+        <p:txBody>
+          <a:bodyPr vert="horz" lIns="91440" tIns="45720" rIns="91440" bIns="45720" rtlCol="0"/>
+          <a:lstStyle/>
+          <a:p>
+            <a:pPr lvl="0"/>
+            <a:r>
+              <a:rPr lang="en-US"/>
+              <a:t>Click to edit Master text styles</a:t>
+            </a:r>
+          </a:p>
+          <a:p>
+            <a:pPr lvl="1"/>
+            <a:r>
+              <a:rPr lang="en-US"/>
+              <a:t>Second level</a:t>
+            </a:r>
+          </a:p>
+          <a:p>
+            <a:pPr lvl="2"/>
+            <a:r>
+              <a:rPr lang="en-US"/>
+              <a:t>Third level</a:t>
+            </a:r>
+          </a:p>
+          <a:p>
+            <a:pPr lvl="3"/>
+            <a:r>
+              <a:rPr lang="en-US"/>
+              <a:t>Fourth level</a:t>
+            </a:r>
+          </a:p>
+          <a:p>
+            <a:pPr lvl="4"/>
+            <a:r>
+              <a:rPr lang="en-US"/>
+              <a:t>Fifth level</a:t>
+            </a:r>
+          </a:p>
+        </p:txBody>
+      </p:sp>
+      <p:sp>
+        <p:nvSpPr>
+          <p:cNvPr id="6" name="Footer Placeholder 5"/>
+          <p:cNvSpPr>
+            <a:spLocks noGrp="1"/>
+          </p:cNvSpPr>
+          <p:nvPr>
+            <p:ph type="ftr" sz="quarter" idx="4"/>
+          </p:nvPr>
+        </p:nvSpPr>
+        <p:spPr>
+          <a:xfrm>
+            <a:off x="0" y="8685213"/>
+            <a:ext cx="2971800" cy="458787"/>
+          </a:xfrm>
+          <a:prstGeom prst="rect">
+            <a:avLst/>
+          </a:prstGeom>
+        </p:spPr>
+        <p:txBody>
+          <a:bodyPr vert="horz" lIns="91440" tIns="45720" rIns="91440" bIns="45720" rtlCol="0" anchor="b"/>
+          <a:lstStyle>
+            <a:lvl1pPr algn="l">
+              <a:defRPr sz="1200"/>
+            </a:lvl1pPr>
+          </a:lstStyle>
+          <a:p>
+            <a:endParaRPr lang="en-US"/>
+          </a:p>
+        </p:txBody>
+      </p:sp>
+      <p:sp>
+        <p:nvSpPr>
+          <p:cNvPr id="7" name="Slide Number Placeholder 6"/>
+          <p:cNvSpPr>
+            <a:spLocks noGrp="1"/>
+          </p:cNvSpPr>
+          <p:nvPr>
+            <p:ph type="sldNum" sz="quarter" idx="5"/>
+          </p:nvPr>
+        </p:nvSpPr>
+        <p:spPr>
+          <a:xfrm>
+            <a:off x="3884613" y="8685213"/>
+            <a:ext cx="2971800" cy="458787"/>
+          </a:xfrm>
+          <a:prstGeom prst="rect">
+            <a:avLst/>
+          </a:prstGeom>
+        </p:spPr>
+        <p:txBody>
+          <a:bodyPr vert="horz" lIns="91440" tIns="45720" rIns="91440" bIns="45720" rtlCol="0" anchor="b"/>
+          <a:lstStyle>
+            <a:lvl1pPr algn="r">
+              <a:defRPr sz="1200"/>
+            </a:lvl1pPr>
+          </a:lstStyle>
+          <a:p>
+            <a:fld id="{3B815210-C015-440A-81D0-A6341FA38B3E}" type="slidenum">
+              <a:rPr lang="en-US" smtClean="0"/>
+              <a:t>‹#›</a:t>
+            </a:fld>
+            <a:endParaRPr lang="en-US"/>
+          </a:p>
+        </p:txBody>
+      </p:sp>
+    </p:spTree>
+    <p:extLst>
+      <p:ext uri="{BB962C8B-B14F-4D97-AF65-F5344CB8AC3E}">
+        <p14:creationId xmlns:p14="http://schemas.microsoft.com/office/powerpoint/2010/main" val="1731931053"/>
+      </p:ext>
+    </p:extLst>
+  </p:cSld>
+  <p:clrMap bg1="lt1" tx1="dk1" bg2="lt2" tx2="dk2" accent1="accent1" accent2="accent2" accent3="accent3" accent4="accent4" accent5="accent5" accent6="accent6" hlink="hlink" folHlink="folHlink"/>
+  <p:notesStyle>
+    <a:lvl1pPr marL="0" algn="l" defTabSz="914400" rtl="0" eaLnBrk="1" latinLnBrk="0" hangingPunct="1">
+      <a:defRPr sz="1200" kern="1200">
+        <a:solidFill>
+          <a:schemeClr val="tx1"/>
+        </a:solidFill>
+        <a:latin typeface="+mn-lt"/>
+        <a:ea typeface="+mn-ea"/>
+        <a:cs typeface="+mn-cs"/>
+      </a:defRPr>
+    </a:lvl1pPr>
+    <a:lvl2pPr marL="457200" algn="l" defTabSz="914400" rtl="0" eaLnBrk="1" latinLnBrk="0" hangingPunct="1">
+      <a:defRPr sz="1200" kern="1200">
+        <a:solidFill>
+          <a:schemeClr val="tx1"/>
+        </a:solidFill>
+        <a:latin typeface="+mn-lt"/>
+        <a:ea typeface="+mn-ea"/>
+        <a:cs typeface="+mn-cs"/>
+      </a:defRPr>
+    </a:lvl2pPr>
+    <a:lvl3pPr marL="914400" algn="l" defTabSz="914400" rtl="0" eaLnBrk="1" latinLnBrk="0" hangingPunct="1">
+      <a:defRPr sz="1200" kern="1200">
+        <a:solidFill>
+          <a:schemeClr val="tx1"/>
+        </a:solidFill>
+        <a:latin typeface="+mn-lt"/>
+        <a:ea typeface="+mn-ea"/>
+        <a:cs typeface="+mn-cs"/>
+      </a:defRPr>
+    </a:lvl3pPr>
+    <a:lvl4pPr marL="1371600" algn="l" defTabSz="914400" rtl="0" eaLnBrk="1" latinLnBrk="0" hangingPunct="1">
+      <a:defRPr sz="1200" kern="1200">
+        <a:solidFill>
+          <a:schemeClr val="tx1"/>
+        </a:solidFill>
+        <a:latin typeface="+mn-lt"/>
+        <a:ea typeface="+mn-ea"/>
+        <a:cs typeface="+mn-cs"/>
+      </a:defRPr>
+    </a:lvl4pPr>
+    <a:lvl5pPr marL="1828800" algn="l" defTabSz="914400" rtl="0" eaLnBrk="1" latinLnBrk="0" hangingPunct="1">
+      <a:defRPr sz="1200" kern="1200">
+        <a:solidFill>
+          <a:schemeClr val="tx1"/>
+        </a:solidFill>
+        <a:latin typeface="+mn-lt"/>
+        <a:ea typeface="+mn-ea"/>
+        <a:cs typeface="+mn-cs"/>
+      </a:defRPr>
+    </a:lvl5pPr>
+    <a:lvl6pPr marL="2286000" algn="l" defTabSz="914400" rtl="0" eaLnBrk="1" latinLnBrk="0" hangingPunct="1">
+      <a:defRPr sz="1200" kern="1200">
+        <a:solidFill>
+          <a:schemeClr val="tx1"/>
+        </a:solidFill>
+        <a:latin typeface="+mn-lt"/>
+        <a:ea typeface="+mn-ea"/>
+        <a:cs typeface="+mn-cs"/>
+      </a:defRPr>
+    </a:lvl6pPr>
+    <a:lvl7pPr marL="2743200" algn="l" defTabSz="914400" rtl="0" eaLnBrk="1" latinLnBrk="0" hangingPunct="1">
+      <a:defRPr sz="1200" kern="1200">
+        <a:solidFill>
+          <a:schemeClr val="tx1"/>
+        </a:solidFill>
+        <a:latin typeface="+mn-lt"/>
+        <a:ea typeface="+mn-ea"/>
+        <a:cs typeface="+mn-cs"/>
+      </a:defRPr>
+    </a:lvl7pPr>
+    <a:lvl8pPr marL="3200400" algn="l" defTabSz="914400" rtl="0" eaLnBrk="1" latinLnBrk="0" hangingPunct="1">
+      <a:defRPr sz="1200" kern="1200">
+        <a:solidFill>
+          <a:schemeClr val="tx1"/>
+        </a:solidFill>
+        <a:latin typeface="+mn-lt"/>
+        <a:ea typeface="+mn-ea"/>
+        <a:cs typeface="+mn-cs"/>
+      </a:defRPr>
+    </a:lvl8pPr>
+    <a:lvl9pPr marL="3657600" algn="l" defTabSz="914400" rtl="0" eaLnBrk="1" latinLnBrk="0" hangingPunct="1">
+      <a:defRPr sz="1200" kern="1200">
+        <a:solidFill>
+          <a:schemeClr val="tx1"/>
+        </a:solidFill>
+        <a:latin typeface="+mn-lt"/>
+        <a:ea typeface="+mn-ea"/>
+        <a:cs typeface="+mn-cs"/>
+      </a:defRPr>
+    </a:lvl9pPr>
+  </p:notesStyle>
+</p:notesMaster>
+</file>
+
+<file path=ppt/notesSlides/notesSlide1.xml><?xml version="1.0" encoding="utf-8"?>
+<p:notes xmlns:a="http://schemas.openxmlformats.org/drawingml/2006/main" xmlns:r="http://schemas.openxmlformats.org/officeDocument/2006/relationships" xmlns:p="http://schemas.openxmlformats.org/presentationml/2006/main">
+  <p:cSld>
+    <p:spTree>
+      <p:nvGrpSpPr>
+        <p:cNvPr id="1" name=""/>
+        <p:cNvGrpSpPr/>
+        <p:nvPr/>
+      </p:nvGrpSpPr>
+      <p:grpSpPr>
+        <a:xfrm>
+          <a:off x="0" y="0"/>
+          <a:ext cx="0" cy="0"/>
+          <a:chOff x="0" y="0"/>
+          <a:chExt cx="0" cy="0"/>
+        </a:xfrm>
+      </p:grpSpPr>
+      <p:sp>
+        <p:nvSpPr>
+          <p:cNvPr id="2" name="Slide Image Placeholder 1"/>
+          <p:cNvSpPr>
+            <a:spLocks noGrp="1" noRot="1" noChangeAspect="1"/>
+          </p:cNvSpPr>
+          <p:nvPr>
+            <p:ph type="sldImg"/>
+          </p:nvPr>
+        </p:nvSpPr>
+        <p:spPr/>
+      </p:sp>
+      <p:sp>
+        <p:nvSpPr>
+          <p:cNvPr id="3" name="Notes Placeholder 2"/>
+          <p:cNvSpPr>
+            <a:spLocks noGrp="1"/>
+          </p:cNvSpPr>
+          <p:nvPr>
+            <p:ph type="body" idx="1"/>
+          </p:nvPr>
+        </p:nvSpPr>
+        <p:spPr/>
+        <p:txBody>
+          <a:bodyPr/>
+          <a:lstStyle/>
+          <a:p>
+            <a:endParaRPr lang="en-US" dirty="0"/>
+          </a:p>
+        </p:txBody>
+      </p:sp>
+      <p:sp>
+        <p:nvSpPr>
+          <p:cNvPr id="4" name="Slide Number Placeholder 3"/>
+          <p:cNvSpPr>
+            <a:spLocks noGrp="1"/>
+          </p:cNvSpPr>
+          <p:nvPr>
+            <p:ph type="sldNum" sz="quarter" idx="5"/>
+          </p:nvPr>
+        </p:nvSpPr>
+        <p:spPr/>
+        <p:txBody>
+          <a:bodyPr/>
+          <a:lstStyle/>
+          <a:p>
+            <a:fld id="{3B815210-C015-440A-81D0-A6341FA38B3E}" type="slidenum">
+              <a:rPr lang="en-US" smtClean="0"/>
+              <a:t>9</a:t>
+            </a:fld>
+            <a:endParaRPr lang="en-US"/>
+          </a:p>
+        </p:txBody>
+      </p:sp>
+    </p:spTree>
+    <p:extLst>
+      <p:ext uri="{BB962C8B-B14F-4D97-AF65-F5344CB8AC3E}">
+        <p14:creationId xmlns:p14="http://schemas.microsoft.com/office/powerpoint/2010/main" val="2811787357"/>
+      </p:ext>
+    </p:extLst>
+  </p:cSld>
+  <p:clrMapOvr>
+    <a:masterClrMapping/>
+  </p:clrMapOvr>
+</p:notes>
 </file>
 
 <file path=ppt/slideLayouts/slideLayout1.xml><?xml version="1.0" encoding="utf-8"?>
@@ -3058,6 +3497,269 @@
 </p:sld>
 </file>
 
+<file path=ppt/slides/slide10.xml><?xml version="1.0" encoding="utf-8"?>
+<p:sld xmlns:a="http://schemas.openxmlformats.org/drawingml/2006/main" xmlns:r="http://schemas.openxmlformats.org/officeDocument/2006/relationships" xmlns:p="http://schemas.openxmlformats.org/presentationml/2006/main">
+  <p:cSld>
+    <p:spTree>
+      <p:nvGrpSpPr>
+        <p:cNvPr id="1" name=""/>
+        <p:cNvGrpSpPr/>
+        <p:nvPr/>
+      </p:nvGrpSpPr>
+      <p:grpSpPr>
+        <a:xfrm>
+          <a:off x="0" y="0"/>
+          <a:ext cx="0" cy="0"/>
+          <a:chOff x="0" y="0"/>
+          <a:chExt cx="0" cy="0"/>
+        </a:xfrm>
+      </p:grpSpPr>
+      <p:sp>
+        <p:nvSpPr>
+          <p:cNvPr id="2" name="Title 1">
+            <a:extLst>
+              <a:ext uri="{FF2B5EF4-FFF2-40B4-BE49-F238E27FC236}">
+                <a16:creationId xmlns:a16="http://schemas.microsoft.com/office/drawing/2014/main" id="{BA79902B-E1CF-9472-DBDB-5FFD32E65674}"/>
+              </a:ext>
+            </a:extLst>
+          </p:cNvPr>
+          <p:cNvSpPr>
+            <a:spLocks noGrp="1"/>
+          </p:cNvSpPr>
+          <p:nvPr>
+            <p:ph type="title"/>
+          </p:nvPr>
+        </p:nvSpPr>
+        <p:spPr/>
+        <p:txBody>
+          <a:bodyPr/>
+          <a:lstStyle/>
+          <a:p>
+            <a:r>
+              <a:rPr lang="en-US" dirty="0"/>
+              <a:t>Differences?</a:t>
+            </a:r>
+          </a:p>
+        </p:txBody>
+      </p:sp>
+      <p:pic>
+        <p:nvPicPr>
+          <p:cNvPr id="5" name="Content Placeholder 4">
+            <a:extLst>
+              <a:ext uri="{FF2B5EF4-FFF2-40B4-BE49-F238E27FC236}">
+                <a16:creationId xmlns:a16="http://schemas.microsoft.com/office/drawing/2014/main" id="{0E9C9FCD-5768-405E-769E-597881C97462}"/>
+              </a:ext>
+            </a:extLst>
+          </p:cNvPr>
+          <p:cNvPicPr>
+            <a:picLocks noGrp="1" noChangeAspect="1"/>
+          </p:cNvPicPr>
+          <p:nvPr>
+            <p:ph idx="1"/>
+          </p:nvPr>
+        </p:nvPicPr>
+        <p:blipFill>
+          <a:blip r:embed="rId2"/>
+          <a:stretch>
+            <a:fillRect/>
+          </a:stretch>
+        </p:blipFill>
+        <p:spPr>
+          <a:xfrm>
+            <a:off x="4057535" y="1825625"/>
+            <a:ext cx="4076929" cy="4351338"/>
+          </a:xfrm>
+        </p:spPr>
+      </p:pic>
+    </p:spTree>
+    <p:extLst>
+      <p:ext uri="{BB962C8B-B14F-4D97-AF65-F5344CB8AC3E}">
+        <p14:creationId xmlns:p14="http://schemas.microsoft.com/office/powerpoint/2010/main" val="3835593913"/>
+      </p:ext>
+    </p:extLst>
+  </p:cSld>
+  <p:clrMapOvr>
+    <a:masterClrMapping/>
+  </p:clrMapOvr>
+</p:sld>
+</file>
+
+<file path=ppt/slides/slide11.xml><?xml version="1.0" encoding="utf-8"?>
+<p:sld xmlns:a="http://schemas.openxmlformats.org/drawingml/2006/main" xmlns:r="http://schemas.openxmlformats.org/officeDocument/2006/relationships" xmlns:p="http://schemas.openxmlformats.org/presentationml/2006/main">
+  <p:cSld>
+    <p:spTree>
+      <p:nvGrpSpPr>
+        <p:cNvPr id="1" name=""/>
+        <p:cNvGrpSpPr/>
+        <p:nvPr/>
+      </p:nvGrpSpPr>
+      <p:grpSpPr>
+        <a:xfrm>
+          <a:off x="0" y="0"/>
+          <a:ext cx="0" cy="0"/>
+          <a:chOff x="0" y="0"/>
+          <a:chExt cx="0" cy="0"/>
+        </a:xfrm>
+      </p:grpSpPr>
+      <p:sp>
+        <p:nvSpPr>
+          <p:cNvPr id="2" name="Title 1">
+            <a:extLst>
+              <a:ext uri="{FF2B5EF4-FFF2-40B4-BE49-F238E27FC236}">
+                <a16:creationId xmlns:a16="http://schemas.microsoft.com/office/drawing/2014/main" id="{EA5F6B80-5E9F-C8EE-EA5C-64BD4A38B182}"/>
+              </a:ext>
+            </a:extLst>
+          </p:cNvPr>
+          <p:cNvSpPr>
+            <a:spLocks noGrp="1"/>
+          </p:cNvSpPr>
+          <p:nvPr>
+            <p:ph type="title"/>
+          </p:nvPr>
+        </p:nvSpPr>
+        <p:spPr/>
+        <p:txBody>
+          <a:bodyPr/>
+          <a:lstStyle/>
+          <a:p>
+            <a:r>
+              <a:rPr lang="en-US" dirty="0"/>
+              <a:t>Variable number of arguments to a method</a:t>
+            </a:r>
+          </a:p>
+        </p:txBody>
+      </p:sp>
+      <p:sp>
+        <p:nvSpPr>
+          <p:cNvPr id="3" name="Content Placeholder 2">
+            <a:extLst>
+              <a:ext uri="{FF2B5EF4-FFF2-40B4-BE49-F238E27FC236}">
+                <a16:creationId xmlns:a16="http://schemas.microsoft.com/office/drawing/2014/main" id="{56E517D3-9ADD-9D67-7698-6C685E5A08EB}"/>
+              </a:ext>
+            </a:extLst>
+          </p:cNvPr>
+          <p:cNvSpPr>
+            <a:spLocks noGrp="1"/>
+          </p:cNvSpPr>
+          <p:nvPr>
+            <p:ph idx="1"/>
+          </p:nvPr>
+        </p:nvSpPr>
+        <p:spPr>
+          <a:xfrm>
+            <a:off x="928734" y="1852786"/>
+            <a:ext cx="10515600" cy="4351338"/>
+          </a:xfrm>
+        </p:spPr>
+        <p:txBody>
+          <a:bodyPr/>
+          <a:lstStyle/>
+          <a:p>
+            <a:pPr marL="0" indent="0">
+              <a:buNone/>
+            </a:pPr>
+            <a:r>
+              <a:rPr lang="en-US" dirty="0"/>
+              <a:t>Quite literally, passing a parameters array of length n</a:t>
+            </a:r>
+          </a:p>
+          <a:p>
+            <a:pPr marL="0" indent="0">
+              <a:buNone/>
+            </a:pPr>
+            <a:endParaRPr lang="en-US" dirty="0"/>
+          </a:p>
+          <a:p>
+            <a:pPr marL="0" indent="0">
+              <a:buNone/>
+            </a:pPr>
+            <a:r>
+              <a:rPr lang="en-US" dirty="0"/>
+              <a:t>Keyword </a:t>
+            </a:r>
+            <a:r>
+              <a:rPr lang="en-US" dirty="0">
+                <a:sym typeface="Wingdings" panose="05000000000000000000" pitchFamily="2" charset="2"/>
+              </a:rPr>
+              <a:t> params</a:t>
+            </a:r>
+          </a:p>
+          <a:p>
+            <a:pPr marL="0" indent="0">
+              <a:buNone/>
+            </a:pPr>
+            <a:endParaRPr lang="en-US" dirty="0">
+              <a:sym typeface="Wingdings" panose="05000000000000000000" pitchFamily="2" charset="2"/>
+            </a:endParaRPr>
+          </a:p>
+          <a:p>
+            <a:pPr marL="0" indent="0">
+              <a:buNone/>
+            </a:pPr>
+            <a:r>
+              <a:rPr lang="en-US" dirty="0">
+                <a:sym typeface="Wingdings" panose="05000000000000000000" pitchFamily="2" charset="2"/>
+              </a:rPr>
+              <a:t>Static int add(params int[]values)</a:t>
+            </a:r>
+            <a:br>
+              <a:rPr lang="en-US" dirty="0">
+                <a:sym typeface="Wingdings" panose="05000000000000000000" pitchFamily="2" charset="2"/>
+              </a:rPr>
+            </a:br>
+            <a:br>
+              <a:rPr lang="en-US" dirty="0">
+                <a:sym typeface="Wingdings" panose="05000000000000000000" pitchFamily="2" charset="2"/>
+              </a:rPr>
+            </a:br>
+            <a:r>
+              <a:rPr lang="en-US" dirty="0">
+                <a:sym typeface="Wingdings" panose="05000000000000000000" pitchFamily="2" charset="2"/>
+              </a:rPr>
+              <a:t>add(new int []{1,2,,3,4,5}) = 15</a:t>
+            </a:r>
+          </a:p>
+          <a:p>
+            <a:pPr marL="0" indent="0">
+              <a:buNone/>
+            </a:pPr>
+            <a:endParaRPr lang="en-US" dirty="0">
+              <a:sym typeface="Wingdings" panose="05000000000000000000" pitchFamily="2" charset="2"/>
+            </a:endParaRPr>
+          </a:p>
+          <a:p>
+            <a:pPr marL="0" indent="0">
+              <a:buNone/>
+            </a:pPr>
+            <a:r>
+              <a:rPr lang="en-US" dirty="0">
+                <a:sym typeface="Wingdings" panose="05000000000000000000" pitchFamily="2" charset="2"/>
+              </a:rPr>
+              <a:t>What do we think this looks like in IL?</a:t>
+            </a:r>
+            <a:endParaRPr lang="en-US" dirty="0"/>
+          </a:p>
+          <a:p>
+            <a:pPr marL="0" indent="0">
+              <a:buNone/>
+            </a:pPr>
+            <a:endParaRPr lang="en-US" dirty="0"/>
+          </a:p>
+        </p:txBody>
+      </p:sp>
+    </p:spTree>
+    <p:extLst>
+      <p:ext uri="{BB962C8B-B14F-4D97-AF65-F5344CB8AC3E}">
+        <p14:creationId xmlns:p14="http://schemas.microsoft.com/office/powerpoint/2010/main" val="2101465582"/>
+      </p:ext>
+    </p:extLst>
+  </p:cSld>
+  <p:clrMapOvr>
+    <a:masterClrMapping/>
+  </p:clrMapOvr>
+</p:sld>
+</file>
+
 <file path=ppt/slides/slide2.xml><?xml version="1.0" encoding="utf-8"?>
 <p:sld xmlns:a="http://schemas.openxmlformats.org/drawingml/2006/main" xmlns:r="http://schemas.openxmlformats.org/officeDocument/2006/relationships" xmlns:p="http://schemas.openxmlformats.org/presentationml/2006/main">
   <p:cSld>
@@ -3121,7 +3823,9 @@
         </p:nvSpPr>
         <p:spPr/>
         <p:txBody>
-          <a:bodyPr/>
+          <a:bodyPr>
+            <a:normAutofit fontScale="92500" lnSpcReduction="10000"/>
+          </a:bodyPr>
           <a:lstStyle/>
           <a:p>
             <a:pPr marL="0" indent="0">
@@ -3130,6 +3834,58 @@
             <a:r>
               <a:rPr lang="en-US" dirty="0"/>
               <a:t>I either forgot them, lost the post it where I put them, or we didn’t have any. It was kind of a rush</a:t>
+            </a:r>
+          </a:p>
+          <a:p>
+            <a:pPr marL="0" indent="0">
+              <a:buNone/>
+            </a:pPr>
+            <a:endParaRPr lang="en-US" dirty="0"/>
+          </a:p>
+          <a:p>
+            <a:pPr marL="0" indent="0">
+              <a:buNone/>
+            </a:pPr>
+            <a:r>
+              <a:rPr lang="en-US" dirty="0"/>
+              <a:t>Some linguistics. We’re focusing on the ‘keywords and structures’ to build up C#. Hooray…</a:t>
+            </a:r>
+          </a:p>
+          <a:p>
+            <a:pPr marL="0" indent="0">
+              <a:buNone/>
+            </a:pPr>
+            <a:endParaRPr lang="en-US" dirty="0"/>
+          </a:p>
+          <a:p>
+            <a:pPr marL="0" indent="0">
+              <a:buNone/>
+            </a:pPr>
+            <a:r>
+              <a:rPr lang="en-US" dirty="0"/>
+              <a:t>First 13 chapters basically dedicate to basics, and then </a:t>
+            </a:r>
+            <a:r>
+              <a:rPr lang="en-US" dirty="0">
+                <a:sym typeface="Wingdings" panose="05000000000000000000" pitchFamily="2" charset="2"/>
+              </a:rPr>
+              <a:t> 19 are slightly more complicated; and then it’s the actual stuff. </a:t>
+            </a:r>
+            <a:endParaRPr lang="en-US" dirty="0"/>
+          </a:p>
+          <a:p>
+            <a:pPr marL="0" indent="0">
+              <a:buNone/>
+            </a:pPr>
+            <a:endParaRPr lang="en-US" dirty="0"/>
+          </a:p>
+          <a:p>
+            <a:pPr marL="0" indent="0">
+              <a:buNone/>
+            </a:pPr>
+            <a:r>
+              <a:rPr lang="en-US" dirty="0"/>
+              <a:t>If I were to do this again, I’d probably have a running list of keywords and definitions</a:t>
             </a:r>
           </a:p>
         </p:txBody>
@@ -4446,7 +5202,7 @@
         </p:blipFill>
         <p:spPr>
           <a:xfrm>
-            <a:off x="3771575" y="2523998"/>
+            <a:off x="4119532" y="3284649"/>
             <a:ext cx="4648849" cy="1810003"/>
           </a:xfrm>
           <a:prstGeom prst="rect">
@@ -4577,6 +5333,140 @@
     <p:extLst>
       <p:ext uri="{BB962C8B-B14F-4D97-AF65-F5344CB8AC3E}">
         <p14:creationId xmlns:p14="http://schemas.microsoft.com/office/powerpoint/2010/main" val="2859647594"/>
+      </p:ext>
+    </p:extLst>
+  </p:cSld>
+  <p:clrMapOvr>
+    <a:masterClrMapping/>
+  </p:clrMapOvr>
+</p:sld>
+</file>
+
+<file path=ppt/slides/slide9.xml><?xml version="1.0" encoding="utf-8"?>
+<p:sld xmlns:a="http://schemas.openxmlformats.org/drawingml/2006/main" xmlns:r="http://schemas.openxmlformats.org/officeDocument/2006/relationships" xmlns:p="http://schemas.openxmlformats.org/presentationml/2006/main">
+  <p:cSld>
+    <p:spTree>
+      <p:nvGrpSpPr>
+        <p:cNvPr id="1" name=""/>
+        <p:cNvGrpSpPr/>
+        <p:nvPr/>
+      </p:nvGrpSpPr>
+      <p:grpSpPr>
+        <a:xfrm>
+          <a:off x="0" y="0"/>
+          <a:ext cx="0" cy="0"/>
+          <a:chOff x="0" y="0"/>
+          <a:chExt cx="0" cy="0"/>
+        </a:xfrm>
+      </p:grpSpPr>
+      <p:sp>
+        <p:nvSpPr>
+          <p:cNvPr id="2" name="Title 1">
+            <a:extLst>
+              <a:ext uri="{FF2B5EF4-FFF2-40B4-BE49-F238E27FC236}">
+                <a16:creationId xmlns:a16="http://schemas.microsoft.com/office/drawing/2014/main" id="{5A6B0FFA-FCAD-7956-F0C4-FA06E7C29F12}"/>
+              </a:ext>
+            </a:extLst>
+          </p:cNvPr>
+          <p:cNvSpPr>
+            <a:spLocks noGrp="1"/>
+          </p:cNvSpPr>
+          <p:nvPr>
+            <p:ph type="title"/>
+          </p:nvPr>
+        </p:nvSpPr>
+        <p:spPr/>
+        <p:txBody>
+          <a:bodyPr/>
+          <a:lstStyle/>
+          <a:p>
+            <a:r>
+              <a:rPr lang="en-US" dirty="0"/>
+              <a:t>Parameters by Reference</a:t>
+            </a:r>
+          </a:p>
+        </p:txBody>
+      </p:sp>
+      <p:sp>
+        <p:nvSpPr>
+          <p:cNvPr id="3" name="Content Placeholder 2">
+            <a:extLst>
+              <a:ext uri="{FF2B5EF4-FFF2-40B4-BE49-F238E27FC236}">
+                <a16:creationId xmlns:a16="http://schemas.microsoft.com/office/drawing/2014/main" id="{2B182BE9-84AD-FD00-719D-10B5693AF386}"/>
+              </a:ext>
+            </a:extLst>
+          </p:cNvPr>
+          <p:cNvSpPr>
+            <a:spLocks noGrp="1"/>
+          </p:cNvSpPr>
+          <p:nvPr>
+            <p:ph idx="1"/>
+          </p:nvPr>
+        </p:nvSpPr>
+        <p:spPr/>
+        <p:txBody>
+          <a:bodyPr/>
+          <a:lstStyle/>
+          <a:p>
+            <a:r>
+              <a:rPr lang="en-US" dirty="0"/>
+              <a:t>On that note, CLR assumes all method parameters are passed by value</a:t>
+            </a:r>
+          </a:p>
+          <a:p>
+            <a:r>
+              <a:rPr lang="en-US" dirty="0"/>
+              <a:t>You can use pass by reference with ‘out’ or ‘ref’ </a:t>
+            </a:r>
+            <a:r>
+              <a:rPr lang="en-US" dirty="0">
+                <a:sym typeface="Wingdings" panose="05000000000000000000" pitchFamily="2" charset="2"/>
+              </a:rPr>
+              <a:t> identical except for 1 bit, so if you really want to save bits at scale,</a:t>
+            </a:r>
+          </a:p>
+          <a:p>
+            <a:r>
+              <a:rPr lang="en-US" dirty="0">
+                <a:sym typeface="Wingdings" panose="05000000000000000000" pitchFamily="2" charset="2"/>
+              </a:rPr>
+              <a:t>They are basically interchangeable</a:t>
+            </a:r>
+          </a:p>
+          <a:p>
+            <a:r>
+              <a:rPr lang="en-US" dirty="0">
+                <a:sym typeface="Wingdings" panose="05000000000000000000" pitchFamily="2" charset="2"/>
+              </a:rPr>
+              <a:t>Can you overload based on out and ref? </a:t>
+            </a:r>
+          </a:p>
+          <a:p>
+            <a:pPr marL="0" indent="0">
+              <a:buNone/>
+            </a:pPr>
+            <a:endParaRPr lang="en-US" dirty="0">
+              <a:sym typeface="Wingdings" panose="05000000000000000000" pitchFamily="2" charset="2"/>
+            </a:endParaRPr>
+          </a:p>
+          <a:p>
+            <a:pPr marL="0" indent="0">
+              <a:buNone/>
+            </a:pPr>
+            <a:r>
+              <a:rPr lang="en-US" dirty="0">
+                <a:sym typeface="Wingdings" panose="05000000000000000000" pitchFamily="2" charset="2"/>
+              </a:rPr>
+              <a:t>Recommend looking over examples on 217, 218</a:t>
+            </a:r>
+            <a:endParaRPr lang="en-US" dirty="0"/>
+          </a:p>
+        </p:txBody>
+      </p:sp>
+    </p:spTree>
+    <p:extLst>
+      <p:ext uri="{BB962C8B-B14F-4D97-AF65-F5344CB8AC3E}">
+        <p14:creationId xmlns:p14="http://schemas.microsoft.com/office/powerpoint/2010/main" val="245023009"/>
       </p:ext>
     </p:extLst>
   </p:cSld>
@@ -4847,6 +5737,301 @@
 </a:theme>
 </file>
 
+<file path=ppt/theme/theme2.xml><?xml version="1.0" encoding="utf-8"?>
+<a:theme xmlns:a="http://schemas.openxmlformats.org/drawingml/2006/main" name="Office Theme">
+  <a:themeElements>
+    <a:clrScheme name="Office">
+      <a:dk1>
+        <a:sysClr val="windowText" lastClr="000000"/>
+      </a:dk1>
+      <a:lt1>
+        <a:sysClr val="window" lastClr="FFFFFF"/>
+      </a:lt1>
+      <a:dk2>
+        <a:srgbClr val="44546A"/>
+      </a:dk2>
+      <a:lt2>
+        <a:srgbClr val="E7E6E6"/>
+      </a:lt2>
+      <a:accent1>
+        <a:srgbClr val="4472C4"/>
+      </a:accent1>
+      <a:accent2>
+        <a:srgbClr val="ED7D31"/>
+      </a:accent2>
+      <a:accent3>
+        <a:srgbClr val="A5A5A5"/>
+      </a:accent3>
+      <a:accent4>
+        <a:srgbClr val="FFC000"/>
+      </a:accent4>
+      <a:accent5>
+        <a:srgbClr val="5B9BD5"/>
+      </a:accent5>
+      <a:accent6>
+        <a:srgbClr val="70AD47"/>
+      </a:accent6>
+      <a:hlink>
+        <a:srgbClr val="0563C1"/>
+      </a:hlink>
+      <a:folHlink>
+        <a:srgbClr val="954F72"/>
+      </a:folHlink>
+    </a:clrScheme>
+    <a:fontScheme name="Office">
+      <a:majorFont>
+        <a:latin typeface="Calibri Light" panose="020F0302020204030204"/>
+        <a:ea typeface=""/>
+        <a:cs typeface=""/>
+        <a:font script="Jpan" typeface="游ゴシック Light"/>
+        <a:font script="Hang" typeface="맑은 고딕"/>
+        <a:font script="Hans" typeface="等线 Light"/>
+        <a:font script="Hant" typeface="新細明體"/>
+        <a:font script="Arab" typeface="Times New Roman"/>
+        <a:font script="Hebr" typeface="Times New Roman"/>
+        <a:font script="Thai" typeface="Angsana New"/>
+        <a:font script="Ethi" typeface="Nyala"/>
+        <a:font script="Beng" typeface="Vrinda"/>
+        <a:font script="Gujr" typeface="Shruti"/>
+        <a:font script="Khmr" typeface="MoolBoran"/>
+        <a:font script="Knda" typeface="Tunga"/>
+        <a:font script="Guru" typeface="Raavi"/>
+        <a:font script="Cans" typeface="Euphemia"/>
+        <a:font script="Cher" typeface="Plantagenet Cherokee"/>
+        <a:font script="Yiii" typeface="Microsoft Yi Baiti"/>
+        <a:font script="Tibt" typeface="Microsoft Himalaya"/>
+        <a:font script="Thaa" typeface="MV Boli"/>
+        <a:font script="Deva" typeface="Mangal"/>
+        <a:font script="Telu" typeface="Gautami"/>
+        <a:font script="Taml" typeface="Latha"/>
+        <a:font script="Syrc" typeface="Estrangelo Edessa"/>
+        <a:font script="Orya" typeface="Kalinga"/>
+        <a:font script="Mlym" typeface="Kartika"/>
+        <a:font script="Laoo" typeface="DokChampa"/>
+        <a:font script="Sinh" typeface="Iskoola Pota"/>
+        <a:font script="Mong" typeface="Mongolian Baiti"/>
+        <a:font script="Viet" typeface="Times New Roman"/>
+        <a:font script="Uigh" typeface="Microsoft Uighur"/>
+        <a:font script="Geor" typeface="Sylfaen"/>
+        <a:font script="Armn" typeface="Arial"/>
+        <a:font script="Bugi" typeface="Leelawadee UI"/>
+        <a:font script="Bopo" typeface="Microsoft JhengHei"/>
+        <a:font script="Java" typeface="Javanese Text"/>
+        <a:font script="Lisu" typeface="Segoe UI"/>
+        <a:font script="Mymr" typeface="Myanmar Text"/>
+        <a:font script="Nkoo" typeface="Ebrima"/>
+        <a:font script="Olck" typeface="Nirmala UI"/>
+        <a:font script="Osma" typeface="Ebrima"/>
+        <a:font script="Phag" typeface="Phagspa"/>
+        <a:font script="Syrn" typeface="Estrangelo Edessa"/>
+        <a:font script="Syrj" typeface="Estrangelo Edessa"/>
+        <a:font script="Syre" typeface="Estrangelo Edessa"/>
+        <a:font script="Sora" typeface="Nirmala UI"/>
+        <a:font script="Tale" typeface="Microsoft Tai Le"/>
+        <a:font script="Talu" typeface="Microsoft New Tai Lue"/>
+        <a:font script="Tfng" typeface="Ebrima"/>
+      </a:majorFont>
+      <a:minorFont>
+        <a:latin typeface="Calibri" panose="020F0502020204030204"/>
+        <a:ea typeface=""/>
+        <a:cs typeface=""/>
+        <a:font script="Jpan" typeface="游ゴシック"/>
+        <a:font script="Hang" typeface="맑은 고딕"/>
+        <a:font script="Hans" typeface="等线"/>
+        <a:font script="Hant" typeface="新細明體"/>
+        <a:font script="Arab" typeface="Arial"/>
+        <a:font script="Hebr" typeface="Arial"/>
+        <a:font script="Thai" typeface="Cordia New"/>
+        <a:font script="Ethi" typeface="Nyala"/>
+        <a:font script="Beng" typeface="Vrinda"/>
+        <a:font script="Gujr" typeface="Shruti"/>
+        <a:font script="Khmr" typeface="DaunPenh"/>
+        <a:font script="Knda" typeface="Tunga"/>
+        <a:font script="Guru" typeface="Raavi"/>
+        <a:font script="Cans" typeface="Euphemia"/>
+        <a:font script="Cher" typeface="Plantagenet Cherokee"/>
+        <a:font script="Yiii" typeface="Microsoft Yi Baiti"/>
+        <a:font script="Tibt" typeface="Microsoft Himalaya"/>
+        <a:font script="Thaa" typeface="MV Boli"/>
+        <a:font script="Deva" typeface="Mangal"/>
+        <a:font script="Telu" typeface="Gautami"/>
+        <a:font script="Taml" typeface="Latha"/>
+        <a:font script="Syrc" typeface="Estrangelo Edessa"/>
+        <a:font script="Orya" typeface="Kalinga"/>
+        <a:font script="Mlym" typeface="Kartika"/>
+        <a:font script="Laoo" typeface="DokChampa"/>
+        <a:font script="Sinh" typeface="Iskoola Pota"/>
+        <a:font script="Mong" typeface="Mongolian Baiti"/>
+        <a:font script="Viet" typeface="Arial"/>
+        <a:font script="Uigh" typeface="Microsoft Uighur"/>
+        <a:font script="Geor" typeface="Sylfaen"/>
+        <a:font script="Armn" typeface="Arial"/>
+        <a:font script="Bugi" typeface="Leelawadee UI"/>
+        <a:font script="Bopo" typeface="Microsoft JhengHei"/>
+        <a:font script="Java" typeface="Javanese Text"/>
+        <a:font script="Lisu" typeface="Segoe UI"/>
+        <a:font script="Mymr" typeface="Myanmar Text"/>
+        <a:font script="Nkoo" typeface="Ebrima"/>
+        <a:font script="Olck" typeface="Nirmala UI"/>
+        <a:font script="Osma" typeface="Ebrima"/>
+        <a:font script="Phag" typeface="Phagspa"/>
+        <a:font script="Syrn" typeface="Estrangelo Edessa"/>
+        <a:font script="Syrj" typeface="Estrangelo Edessa"/>
+        <a:font script="Syre" typeface="Estrangelo Edessa"/>
+        <a:font script="Sora" typeface="Nirmala UI"/>
+        <a:font script="Tale" typeface="Microsoft Tai Le"/>
+        <a:font script="Talu" typeface="Microsoft New Tai Lue"/>
+        <a:font script="Tfng" typeface="Ebrima"/>
+      </a:minorFont>
+    </a:fontScheme>
+    <a:fmtScheme name="Office">
+      <a:fillStyleLst>
+        <a:solidFill>
+          <a:schemeClr val="phClr"/>
+        </a:solidFill>
+        <a:gradFill rotWithShape="1">
+          <a:gsLst>
+            <a:gs pos="0">
+              <a:schemeClr val="phClr">
+                <a:lumMod val="110000"/>
+                <a:satMod val="105000"/>
+                <a:tint val="67000"/>
+              </a:schemeClr>
+            </a:gs>
+            <a:gs pos="50000">
+              <a:schemeClr val="phClr">
+                <a:lumMod val="105000"/>
+                <a:satMod val="103000"/>
+                <a:tint val="73000"/>
+              </a:schemeClr>
+            </a:gs>
+            <a:gs pos="100000">
+              <a:schemeClr val="phClr">
+                <a:lumMod val="105000"/>
+                <a:satMod val="109000"/>
+                <a:tint val="81000"/>
+              </a:schemeClr>
+            </a:gs>
+          </a:gsLst>
+          <a:lin ang="5400000" scaled="0"/>
+        </a:gradFill>
+        <a:gradFill rotWithShape="1">
+          <a:gsLst>
+            <a:gs pos="0">
+              <a:schemeClr val="phClr">
+                <a:satMod val="103000"/>
+                <a:lumMod val="102000"/>
+                <a:tint val="94000"/>
+              </a:schemeClr>
+            </a:gs>
+            <a:gs pos="50000">
+              <a:schemeClr val="phClr">
+                <a:satMod val="110000"/>
+                <a:lumMod val="100000"/>
+                <a:shade val="100000"/>
+              </a:schemeClr>
+            </a:gs>
+            <a:gs pos="100000">
+              <a:schemeClr val="phClr">
+                <a:lumMod val="99000"/>
+                <a:satMod val="120000"/>
+                <a:shade val="78000"/>
+              </a:schemeClr>
+            </a:gs>
+          </a:gsLst>
+          <a:lin ang="5400000" scaled="0"/>
+        </a:gradFill>
+      </a:fillStyleLst>
+      <a:lnStyleLst>
+        <a:ln w="6350" cap="flat" cmpd="sng" algn="ctr">
+          <a:solidFill>
+            <a:schemeClr val="phClr"/>
+          </a:solidFill>
+          <a:prstDash val="solid"/>
+          <a:miter lim="800000"/>
+        </a:ln>
+        <a:ln w="12700" cap="flat" cmpd="sng" algn="ctr">
+          <a:solidFill>
+            <a:schemeClr val="phClr"/>
+          </a:solidFill>
+          <a:prstDash val="solid"/>
+          <a:miter lim="800000"/>
+        </a:ln>
+        <a:ln w="19050" cap="flat" cmpd="sng" algn="ctr">
+          <a:solidFill>
+            <a:schemeClr val="phClr"/>
+          </a:solidFill>
+          <a:prstDash val="solid"/>
+          <a:miter lim="800000"/>
+        </a:ln>
+      </a:lnStyleLst>
+      <a:effectStyleLst>
+        <a:effectStyle>
+          <a:effectLst/>
+        </a:effectStyle>
+        <a:effectStyle>
+          <a:effectLst/>
+        </a:effectStyle>
+        <a:effectStyle>
+          <a:effectLst>
+            <a:outerShdw blurRad="57150" dist="19050" dir="5400000" algn="ctr" rotWithShape="0">
+              <a:srgbClr val="000000">
+                <a:alpha val="63000"/>
+              </a:srgbClr>
+            </a:outerShdw>
+          </a:effectLst>
+        </a:effectStyle>
+      </a:effectStyleLst>
+      <a:bgFillStyleLst>
+        <a:solidFill>
+          <a:schemeClr val="phClr"/>
+        </a:solidFill>
+        <a:solidFill>
+          <a:schemeClr val="phClr">
+            <a:tint val="95000"/>
+            <a:satMod val="170000"/>
+          </a:schemeClr>
+        </a:solidFill>
+        <a:gradFill rotWithShape="1">
+          <a:gsLst>
+            <a:gs pos="0">
+              <a:schemeClr val="phClr">
+                <a:tint val="93000"/>
+                <a:satMod val="150000"/>
+                <a:shade val="98000"/>
+                <a:lumMod val="102000"/>
+              </a:schemeClr>
+            </a:gs>
+            <a:gs pos="50000">
+              <a:schemeClr val="phClr">
+                <a:tint val="98000"/>
+                <a:satMod val="130000"/>
+                <a:shade val="90000"/>
+                <a:lumMod val="103000"/>
+              </a:schemeClr>
+            </a:gs>
+            <a:gs pos="100000">
+              <a:schemeClr val="phClr">
+                <a:shade val="63000"/>
+                <a:satMod val="120000"/>
+              </a:schemeClr>
+            </a:gs>
+          </a:gsLst>
+          <a:lin ang="5400000" scaled="0"/>
+        </a:gradFill>
+      </a:bgFillStyleLst>
+    </a:fmtScheme>
+  </a:themeElements>
+  <a:objectDefaults/>
+  <a:extraClrSchemeLst/>
+  <a:extLst>
+    <a:ext uri="{05A4C25C-085E-4340-85A3-A5531E510DB2}">
+      <thm15:themeFamily xmlns:thm15="http://schemas.microsoft.com/office/thememl/2012/main" name="Office Theme" id="{62F939B6-93AF-4DB8-9C6B-D6C7DFDC589F}" vid="{4A3C46E8-61CC-4603-A589-7422A47A8E4A}"/>
+    </a:ext>
+  </a:extLst>
+</a:theme>
+</file>
+
 <file path=docMetadata/LabelInfo.xml><?xml version="1.0" encoding="utf-8"?>
 <clbl:labelList xmlns:clbl="http://schemas.microsoft.com/office/2020/mipLabelMetadata">
   <clbl:label id="{f42aa342-8706-4288-bd11-ebb85995028c}" enabled="1" method="Standard" siteId="{72f988bf-86f1-41af-91ab-2d7cd011db47}" contentBits="0" removed="0"/>

--- a/CLR_via_CSharp/Chapter 9 - Paramters/Parameters.pptx
+++ b/CLR_via_CSharp/Chapter 9 - Paramters/Parameters.pptx
@@ -5,7 +5,7 @@
     <p:sldMasterId id="2147483660" r:id="rId1"/>
   </p:sldMasterIdLst>
   <p:notesMasterIdLst>
-    <p:notesMasterId r:id="rId13"/>
+    <p:notesMasterId r:id="rId15"/>
   </p:notesMasterIdLst>
   <p:sldIdLst>
     <p:sldId id="256" r:id="rId2"/>
@@ -19,6 +19,8 @@
     <p:sldId id="264" r:id="rId10"/>
     <p:sldId id="265" r:id="rId11"/>
     <p:sldId id="266" r:id="rId12"/>
+    <p:sldId id="267" r:id="rId13"/>
+    <p:sldId id="268" r:id="rId14"/>
   </p:sldIdLst>
   <p:sldSz cx="12192000" cy="6858000"/>
   <p:notesSz cx="6858000" cy="9144000"/>
@@ -3751,6 +3753,248 @@
     <p:extLst>
       <p:ext uri="{BB962C8B-B14F-4D97-AF65-F5344CB8AC3E}">
         <p14:creationId xmlns:p14="http://schemas.microsoft.com/office/powerpoint/2010/main" val="2101465582"/>
+      </p:ext>
+    </p:extLst>
+  </p:cSld>
+  <p:clrMapOvr>
+    <a:masterClrMapping/>
+  </p:clrMapOvr>
+</p:sld>
+</file>
+
+<file path=ppt/slides/slide12.xml><?xml version="1.0" encoding="utf-8"?>
+<p:sld xmlns:a="http://schemas.openxmlformats.org/drawingml/2006/main" xmlns:r="http://schemas.openxmlformats.org/officeDocument/2006/relationships" xmlns:p="http://schemas.openxmlformats.org/presentationml/2006/main">
+  <p:cSld>
+    <p:spTree>
+      <p:nvGrpSpPr>
+        <p:cNvPr id="1" name=""/>
+        <p:cNvGrpSpPr/>
+        <p:nvPr/>
+      </p:nvGrpSpPr>
+      <p:grpSpPr>
+        <a:xfrm>
+          <a:off x="0" y="0"/>
+          <a:ext cx="0" cy="0"/>
+          <a:chOff x="0" y="0"/>
+          <a:chExt cx="0" cy="0"/>
+        </a:xfrm>
+      </p:grpSpPr>
+      <p:sp>
+        <p:nvSpPr>
+          <p:cNvPr id="2" name="Title 1">
+            <a:extLst>
+              <a:ext uri="{FF2B5EF4-FFF2-40B4-BE49-F238E27FC236}">
+                <a16:creationId xmlns:a16="http://schemas.microsoft.com/office/drawing/2014/main" id="{C3DDAE87-711A-2867-93FE-974889298566}"/>
+              </a:ext>
+            </a:extLst>
+          </p:cNvPr>
+          <p:cNvSpPr>
+            <a:spLocks noGrp="1"/>
+          </p:cNvSpPr>
+          <p:nvPr>
+            <p:ph type="title"/>
+          </p:nvPr>
+        </p:nvSpPr>
+        <p:spPr/>
+        <p:txBody>
+          <a:bodyPr/>
+          <a:lstStyle/>
+          <a:p>
+            <a:r>
+              <a:rPr lang="en-US" dirty="0"/>
+              <a:t>Guidelines</a:t>
+            </a:r>
+          </a:p>
+        </p:txBody>
+      </p:sp>
+      <p:sp>
+        <p:nvSpPr>
+          <p:cNvPr id="3" name="Content Placeholder 2">
+            <a:extLst>
+              <a:ext uri="{FF2B5EF4-FFF2-40B4-BE49-F238E27FC236}">
+                <a16:creationId xmlns:a16="http://schemas.microsoft.com/office/drawing/2014/main" id="{11CA0C5A-0AF4-F205-0232-D122C07DEBBF}"/>
+              </a:ext>
+            </a:extLst>
+          </p:cNvPr>
+          <p:cNvSpPr>
+            <a:spLocks noGrp="1"/>
+          </p:cNvSpPr>
+          <p:nvPr>
+            <p:ph idx="1"/>
+          </p:nvPr>
+        </p:nvSpPr>
+        <p:spPr/>
+        <p:txBody>
+          <a:bodyPr/>
+          <a:lstStyle/>
+          <a:p>
+            <a:r>
+              <a:rPr lang="en-US" dirty="0"/>
+              <a:t>Use weakest parameter possible (i.e. interface over base class)</a:t>
+            </a:r>
+          </a:p>
+          <a:p>
+            <a:pPr lvl="1"/>
+            <a:r>
+              <a:rPr lang="en-US" dirty="0"/>
+              <a:t>What does that look like in </a:t>
+            </a:r>
+            <a:r>
+              <a:rPr lang="en-US" dirty="0" err="1"/>
+              <a:t>CSharpChess</a:t>
+            </a:r>
+            <a:r>
+              <a:rPr lang="en-US" dirty="0"/>
+              <a:t>?</a:t>
+            </a:r>
+          </a:p>
+          <a:p>
+            <a:r>
+              <a:rPr lang="en-US" dirty="0"/>
+              <a:t>Write for broader classes </a:t>
+            </a:r>
+          </a:p>
+          <a:p>
+            <a:pPr lvl="1"/>
+            <a:r>
+              <a:rPr lang="en-US" dirty="0" err="1"/>
+              <a:t>SPFile</a:t>
+            </a:r>
+            <a:r>
+              <a:rPr lang="en-US" dirty="0"/>
+              <a:t> vs </a:t>
+            </a:r>
+            <a:r>
+              <a:rPr lang="en-US" dirty="0" err="1"/>
+              <a:t>AntlerSPFileThatHasBeenThrownIntoFileShredder</a:t>
+            </a:r>
+            <a:endParaRPr lang="en-US" dirty="0"/>
+          </a:p>
+          <a:p>
+            <a:r>
+              <a:rPr lang="en-US" dirty="0"/>
+              <a:t>Return the Strongest value possible</a:t>
+            </a:r>
+          </a:p>
+          <a:p>
+            <a:pPr lvl="1"/>
+            <a:r>
+              <a:rPr lang="en-US" dirty="0"/>
+              <a:t>ATM return an int + currency?</a:t>
+            </a:r>
+          </a:p>
+          <a:p>
+            <a:endParaRPr lang="en-US" dirty="0"/>
+          </a:p>
+        </p:txBody>
+      </p:sp>
+    </p:spTree>
+    <p:extLst>
+      <p:ext uri="{BB962C8B-B14F-4D97-AF65-F5344CB8AC3E}">
+        <p14:creationId xmlns:p14="http://schemas.microsoft.com/office/powerpoint/2010/main" val="397657313"/>
+      </p:ext>
+    </p:extLst>
+  </p:cSld>
+  <p:clrMapOvr>
+    <a:masterClrMapping/>
+  </p:clrMapOvr>
+</p:sld>
+</file>
+
+<file path=ppt/slides/slide13.xml><?xml version="1.0" encoding="utf-8"?>
+<p:sld xmlns:a="http://schemas.openxmlformats.org/drawingml/2006/main" xmlns:r="http://schemas.openxmlformats.org/officeDocument/2006/relationships" xmlns:p="http://schemas.openxmlformats.org/presentationml/2006/main">
+  <p:cSld>
+    <p:spTree>
+      <p:nvGrpSpPr>
+        <p:cNvPr id="1" name=""/>
+        <p:cNvGrpSpPr/>
+        <p:nvPr/>
+      </p:nvGrpSpPr>
+      <p:grpSpPr>
+        <a:xfrm>
+          <a:off x="0" y="0"/>
+          <a:ext cx="0" cy="0"/>
+          <a:chOff x="0" y="0"/>
+          <a:chExt cx="0" cy="0"/>
+        </a:xfrm>
+      </p:grpSpPr>
+      <p:sp>
+        <p:nvSpPr>
+          <p:cNvPr id="2" name="Title 1">
+            <a:extLst>
+              <a:ext uri="{FF2B5EF4-FFF2-40B4-BE49-F238E27FC236}">
+                <a16:creationId xmlns:a16="http://schemas.microsoft.com/office/drawing/2014/main" id="{A3F13FF4-CC23-A07E-09CC-F94A34C55F12}"/>
+              </a:ext>
+            </a:extLst>
+          </p:cNvPr>
+          <p:cNvSpPr>
+            <a:spLocks noGrp="1"/>
+          </p:cNvSpPr>
+          <p:nvPr>
+            <p:ph type="title"/>
+          </p:nvPr>
+        </p:nvSpPr>
+        <p:spPr/>
+        <p:txBody>
+          <a:bodyPr/>
+          <a:lstStyle/>
+          <a:p>
+            <a:r>
+              <a:rPr lang="en-US" dirty="0"/>
+              <a:t>Const-ness</a:t>
+            </a:r>
+          </a:p>
+        </p:txBody>
+      </p:sp>
+      <p:sp>
+        <p:nvSpPr>
+          <p:cNvPr id="3" name="Content Placeholder 2">
+            <a:extLst>
+              <a:ext uri="{FF2B5EF4-FFF2-40B4-BE49-F238E27FC236}">
+                <a16:creationId xmlns:a16="http://schemas.microsoft.com/office/drawing/2014/main" id="{716CF5CA-F031-D10E-A3C3-6F41DF67C7A1}"/>
+              </a:ext>
+            </a:extLst>
+          </p:cNvPr>
+          <p:cNvSpPr>
+            <a:spLocks noGrp="1"/>
+          </p:cNvSpPr>
+          <p:nvPr>
+            <p:ph idx="1"/>
+          </p:nvPr>
+        </p:nvSpPr>
+        <p:spPr/>
+        <p:txBody>
+          <a:bodyPr/>
+          <a:lstStyle/>
+          <a:p>
+            <a:r>
+              <a:rPr lang="en-US" dirty="0"/>
+              <a:t>This concept of constant does not exist in the CLR, ergo not in C#</a:t>
+            </a:r>
+          </a:p>
+          <a:p>
+            <a:r>
+              <a:rPr lang="en-US" dirty="0"/>
+              <a:t>Stop crying – Jeff</a:t>
+            </a:r>
+          </a:p>
+          <a:p>
+            <a:r>
+              <a:rPr lang="en-US" dirty="0"/>
+              <a:t>Some C++ fun if we </a:t>
+            </a:r>
+            <a:r>
+              <a:rPr lang="en-US"/>
+              <a:t>have time</a:t>
+            </a:r>
+            <a:endParaRPr lang="en-US" dirty="0"/>
+          </a:p>
+        </p:txBody>
+      </p:sp>
+    </p:spTree>
+    <p:extLst>
+      <p:ext uri="{BB962C8B-B14F-4D97-AF65-F5344CB8AC3E}">
+        <p14:creationId xmlns:p14="http://schemas.microsoft.com/office/powerpoint/2010/main" val="865762172"/>
       </p:ext>
     </p:extLst>
   </p:cSld>
